--- a/doc/販売在庫管理システム.pptx
+++ b/doc/販売在庫管理システム.pptx
@@ -8,22 +8,27 @@
     <p:sldId id="256" r:id="rId2"/>
     <p:sldId id="265" r:id="rId3"/>
     <p:sldId id="258" r:id="rId4"/>
-    <p:sldId id="268" r:id="rId5"/>
-    <p:sldId id="269" r:id="rId6"/>
-    <p:sldId id="259" r:id="rId7"/>
-    <p:sldId id="261" r:id="rId8"/>
-    <p:sldId id="271" r:id="rId9"/>
+    <p:sldId id="269" r:id="rId5"/>
+    <p:sldId id="281" r:id="rId6"/>
+    <p:sldId id="282" r:id="rId7"/>
+    <p:sldId id="259" r:id="rId8"/>
+    <p:sldId id="283" r:id="rId9"/>
     <p:sldId id="277" r:id="rId10"/>
-    <p:sldId id="278" r:id="rId11"/>
-    <p:sldId id="276" r:id="rId12"/>
-    <p:sldId id="275" r:id="rId13"/>
-    <p:sldId id="279" r:id="rId14"/>
-    <p:sldId id="280" r:id="rId15"/>
-    <p:sldId id="270" r:id="rId16"/>
-    <p:sldId id="273" r:id="rId17"/>
-    <p:sldId id="274" r:id="rId18"/>
-    <p:sldId id="267" r:id="rId19"/>
-    <p:sldId id="264" r:id="rId20"/>
+    <p:sldId id="284" r:id="rId11"/>
+    <p:sldId id="261" r:id="rId12"/>
+    <p:sldId id="280" r:id="rId13"/>
+    <p:sldId id="276" r:id="rId14"/>
+    <p:sldId id="279" r:id="rId15"/>
+    <p:sldId id="271" r:id="rId16"/>
+    <p:sldId id="278" r:id="rId17"/>
+    <p:sldId id="275" r:id="rId18"/>
+    <p:sldId id="270" r:id="rId19"/>
+    <p:sldId id="273" r:id="rId20"/>
+    <p:sldId id="274" r:id="rId21"/>
+    <p:sldId id="285" r:id="rId22"/>
+    <p:sldId id="286" r:id="rId23"/>
+    <p:sldId id="267" r:id="rId24"/>
+    <p:sldId id="264" r:id="rId25"/>
   </p:sldIdLst>
   <p:sldSz cx="12192000" cy="6858000"/>
   <p:notesSz cx="6858000" cy="9144000"/>
@@ -261,7 +266,7 @@
           <a:p>
             <a:fld id="{34756EC5-DB24-45CA-82D8-407803672B36}" type="datetimeFigureOut">
               <a:rPr kumimoji="1" lang="ja-JP" altLang="en-US" smtClean="0"/>
-              <a:t>2019/10/17</a:t>
+              <a:t>2019/10/18</a:t>
             </a:fld>
             <a:endParaRPr kumimoji="1" lang="ja-JP" altLang="en-US"/>
           </a:p>
@@ -463,7 +468,7 @@
           <a:p>
             <a:fld id="{34756EC5-DB24-45CA-82D8-407803672B36}" type="datetimeFigureOut">
               <a:rPr kumimoji="1" lang="ja-JP" altLang="en-US" smtClean="0"/>
-              <a:t>2019/10/17</a:t>
+              <a:t>2019/10/18</a:t>
             </a:fld>
             <a:endParaRPr kumimoji="1" lang="ja-JP" altLang="en-US"/>
           </a:p>
@@ -675,7 +680,7 @@
           <a:p>
             <a:fld id="{34756EC5-DB24-45CA-82D8-407803672B36}" type="datetimeFigureOut">
               <a:rPr kumimoji="1" lang="ja-JP" altLang="en-US" smtClean="0"/>
-              <a:t>2019/10/17</a:t>
+              <a:t>2019/10/18</a:t>
             </a:fld>
             <a:endParaRPr kumimoji="1" lang="ja-JP" altLang="en-US"/>
           </a:p>
@@ -877,7 +882,7 @@
           <a:p>
             <a:fld id="{34756EC5-DB24-45CA-82D8-407803672B36}" type="datetimeFigureOut">
               <a:rPr kumimoji="1" lang="ja-JP" altLang="en-US" smtClean="0"/>
-              <a:t>2019/10/17</a:t>
+              <a:t>2019/10/18</a:t>
             </a:fld>
             <a:endParaRPr kumimoji="1" lang="ja-JP" altLang="en-US"/>
           </a:p>
@@ -1123,7 +1128,7 @@
           <a:p>
             <a:fld id="{34756EC5-DB24-45CA-82D8-407803672B36}" type="datetimeFigureOut">
               <a:rPr kumimoji="1" lang="ja-JP" altLang="en-US" smtClean="0"/>
-              <a:t>2019/10/17</a:t>
+              <a:t>2019/10/18</a:t>
             </a:fld>
             <a:endParaRPr kumimoji="1" lang="ja-JP" altLang="en-US"/>
           </a:p>
@@ -1419,7 +1424,7 @@
           <a:p>
             <a:fld id="{34756EC5-DB24-45CA-82D8-407803672B36}" type="datetimeFigureOut">
               <a:rPr kumimoji="1" lang="ja-JP" altLang="en-US" smtClean="0"/>
-              <a:t>2019/10/17</a:t>
+              <a:t>2019/10/18</a:t>
             </a:fld>
             <a:endParaRPr kumimoji="1" lang="ja-JP" altLang="en-US"/>
           </a:p>
@@ -1850,7 +1855,7 @@
           <a:p>
             <a:fld id="{34756EC5-DB24-45CA-82D8-407803672B36}" type="datetimeFigureOut">
               <a:rPr kumimoji="1" lang="ja-JP" altLang="en-US" smtClean="0"/>
-              <a:t>2019/10/17</a:t>
+              <a:t>2019/10/18</a:t>
             </a:fld>
             <a:endParaRPr kumimoji="1" lang="ja-JP" altLang="en-US"/>
           </a:p>
@@ -1968,7 +1973,7 @@
           <a:p>
             <a:fld id="{34756EC5-DB24-45CA-82D8-407803672B36}" type="datetimeFigureOut">
               <a:rPr kumimoji="1" lang="ja-JP" altLang="en-US" smtClean="0"/>
-              <a:t>2019/10/17</a:t>
+              <a:t>2019/10/18</a:t>
             </a:fld>
             <a:endParaRPr kumimoji="1" lang="ja-JP" altLang="en-US"/>
           </a:p>
@@ -2063,7 +2068,7 @@
           <a:p>
             <a:fld id="{34756EC5-DB24-45CA-82D8-407803672B36}" type="datetimeFigureOut">
               <a:rPr kumimoji="1" lang="ja-JP" altLang="en-US" smtClean="0"/>
-              <a:t>2019/10/17</a:t>
+              <a:t>2019/10/18</a:t>
             </a:fld>
             <a:endParaRPr kumimoji="1" lang="ja-JP" altLang="en-US"/>
           </a:p>
@@ -2372,7 +2377,7 @@
           <a:p>
             <a:fld id="{34756EC5-DB24-45CA-82D8-407803672B36}" type="datetimeFigureOut">
               <a:rPr kumimoji="1" lang="ja-JP" altLang="en-US" smtClean="0"/>
-              <a:t>2019/10/17</a:t>
+              <a:t>2019/10/18</a:t>
             </a:fld>
             <a:endParaRPr kumimoji="1" lang="ja-JP" altLang="en-US"/>
           </a:p>
@@ -2625,7 +2630,7 @@
           <a:p>
             <a:fld id="{34756EC5-DB24-45CA-82D8-407803672B36}" type="datetimeFigureOut">
               <a:rPr kumimoji="1" lang="ja-JP" altLang="en-US" smtClean="0"/>
-              <a:t>2019/10/17</a:t>
+              <a:t>2019/10/18</a:t>
             </a:fld>
             <a:endParaRPr kumimoji="1" lang="ja-JP" altLang="en-US"/>
           </a:p>
@@ -2873,7 +2878,7 @@
             <a:fld id="{34756EC5-DB24-45CA-82D8-407803672B36}" type="datetimeFigureOut">
               <a:rPr kumimoji="1" lang="ja-JP" altLang="en-US" smtClean="0"/>
               <a:pPr/>
-              <a:t>2019/10/17</a:t>
+              <a:t>2019/10/18</a:t>
             </a:fld>
             <a:endParaRPr kumimoji="1" lang="ja-JP" altLang="en-US" dirty="0"/>
           </a:p>
@@ -3394,21 +3399,28 @@
       </p:grpSpPr>
       <p:pic>
         <p:nvPicPr>
-          <p:cNvPr id="2" name="図 1"/>
+          <p:cNvPr id="4" name="図 3"/>
           <p:cNvPicPr>
             <a:picLocks noChangeAspect="1"/>
           </p:cNvPicPr>
           <p:nvPr/>
         </p:nvPicPr>
-        <p:blipFill rotWithShape="1">
-          <a:blip r:embed="rId2"/>
-          <a:srcRect l="26372" t="31131" r="34853" b="28230"/>
-          <a:stretch/>
+        <p:blipFill>
+          <a:blip r:embed="rId2">
+            <a:extLst>
+              <a:ext uri="{28A0092B-C50C-407E-A947-70E740481C1C}">
+                <a14:useLocalDpi xmlns:a14="http://schemas.microsoft.com/office/drawing/2010/main" val="0"/>
+              </a:ext>
+            </a:extLst>
+          </a:blip>
+          <a:stretch>
+            <a:fillRect/>
+          </a:stretch>
         </p:blipFill>
         <p:spPr>
           <a:xfrm>
-            <a:off x="648567" y="800101"/>
-            <a:ext cx="9801349" cy="5510700"/>
+            <a:off x="0" y="1"/>
+            <a:ext cx="8763768" cy="5486400"/>
           </a:xfrm>
           <a:prstGeom prst="rect">
             <a:avLst/>
@@ -3417,14 +3429,14 @@
       </p:pic>
       <p:sp>
         <p:nvSpPr>
-          <p:cNvPr id="4" name="テキスト ボックス 3"/>
+          <p:cNvPr id="5" name="テキスト ボックス 4"/>
           <p:cNvSpPr txBox="1"/>
           <p:nvPr/>
         </p:nvSpPr>
         <p:spPr>
           <a:xfrm>
-            <a:off x="9324501" y="1224353"/>
-            <a:ext cx="2804745" cy="707886"/>
+            <a:off x="8493369" y="1224353"/>
+            <a:ext cx="3635877" cy="707886"/>
           </a:xfrm>
           <a:prstGeom prst="rect">
             <a:avLst/>
@@ -3439,43 +3451,96 @@
           <a:p>
             <a:pPr algn="ctr"/>
             <a:r>
-              <a:rPr kumimoji="1" lang="ja-JP" altLang="en-US" sz="4000" dirty="0">
-                <a:latin typeface="メイリオ" panose="020B0604030504040204" pitchFamily="50" charset="-128"/>
-                <a:ea typeface="メイリオ" panose="020B0604030504040204" pitchFamily="50" charset="-128"/>
-              </a:rPr>
-              <a:t>顧客</a:t>
-            </a:r>
-            <a:r>
               <a:rPr kumimoji="1" lang="ja-JP" altLang="en-US" sz="4000" dirty="0" smtClean="0">
                 <a:latin typeface="メイリオ" panose="020B0604030504040204" pitchFamily="50" charset="-128"/>
                 <a:ea typeface="メイリオ" panose="020B0604030504040204" pitchFamily="50" charset="-128"/>
               </a:rPr>
-              <a:t>管理</a:t>
-            </a:r>
-            <a:endParaRPr kumimoji="1" lang="ja-JP" altLang="en-US" sz="4000" dirty="0">
+              <a:t>商品管理画面</a:t>
+            </a:r>
+            <a:endParaRPr kumimoji="1" lang="en-US" altLang="ja-JP" sz="4000" dirty="0" smtClean="0">
               <a:latin typeface="メイリオ" panose="020B0604030504040204" pitchFamily="50" charset="-128"/>
               <a:ea typeface="メイリオ" panose="020B0604030504040204" pitchFamily="50" charset="-128"/>
             </a:endParaRPr>
           </a:p>
         </p:txBody>
       </p:sp>
+      <p:sp>
+        <p:nvSpPr>
+          <p:cNvPr id="6" name="テキスト ボックス 5"/>
+          <p:cNvSpPr txBox="1"/>
+          <p:nvPr/>
+        </p:nvSpPr>
+        <p:spPr>
+          <a:xfrm>
+            <a:off x="1257301" y="5908430"/>
+            <a:ext cx="9293468" cy="461665"/>
+          </a:xfrm>
+          <a:prstGeom prst="rect">
+            <a:avLst/>
+          </a:prstGeom>
+          <a:noFill/>
+        </p:spPr>
+        <p:txBody>
+          <a:bodyPr wrap="square" rtlCol="0">
+            <a:spAutoFit/>
+          </a:bodyPr>
+          <a:lstStyle/>
+          <a:p>
+            <a:r>
+              <a:rPr kumimoji="1" lang="ja-JP" altLang="en-US" sz="2400" b="1" dirty="0" smtClean="0">
+                <a:latin typeface="メイリオ" panose="020B0604030504040204" pitchFamily="50" charset="-128"/>
+                <a:ea typeface="メイリオ" panose="020B0604030504040204" pitchFamily="50" charset="-128"/>
+              </a:rPr>
+              <a:t>データベースに</a:t>
+            </a:r>
+            <a:r>
+              <a:rPr kumimoji="1" lang="ja-JP" altLang="en-US" sz="2400" b="1" dirty="0">
+                <a:latin typeface="メイリオ" panose="020B0604030504040204" pitchFamily="50" charset="-128"/>
+                <a:ea typeface="メイリオ" panose="020B0604030504040204" pitchFamily="50" charset="-128"/>
+              </a:rPr>
+              <a:t>存在</a:t>
+            </a:r>
+            <a:r>
+              <a:rPr kumimoji="1" lang="ja-JP" altLang="en-US" sz="2400" b="1" dirty="0" smtClean="0">
+                <a:latin typeface="メイリオ" panose="020B0604030504040204" pitchFamily="50" charset="-128"/>
+                <a:ea typeface="メイリオ" panose="020B0604030504040204" pitchFamily="50" charset="-128"/>
+              </a:rPr>
+              <a:t>する</a:t>
+            </a:r>
+            <a:r>
+              <a:rPr kumimoji="1" lang="ja-JP" altLang="en-US" sz="2400" b="1" dirty="0" smtClean="0">
+                <a:solidFill>
+                  <a:srgbClr val="FF0000"/>
+                </a:solidFill>
+                <a:latin typeface="メイリオ" panose="020B0604030504040204" pitchFamily="50" charset="-128"/>
+                <a:ea typeface="メイリオ" panose="020B0604030504040204" pitchFamily="50" charset="-128"/>
+              </a:rPr>
+              <a:t>商品情報</a:t>
+            </a:r>
+            <a:r>
+              <a:rPr kumimoji="1" lang="ja-JP" altLang="en-US" sz="2400" b="1" dirty="0" smtClean="0">
+                <a:latin typeface="メイリオ" panose="020B0604030504040204" pitchFamily="50" charset="-128"/>
+                <a:ea typeface="メイリオ" panose="020B0604030504040204" pitchFamily="50" charset="-128"/>
+              </a:rPr>
+              <a:t>から、特定の商品を検索できる。</a:t>
+            </a:r>
+            <a:endParaRPr kumimoji="1" lang="ja-JP" altLang="en-US" sz="2400" b="1" dirty="0">
+              <a:latin typeface="メイリオ" panose="020B0604030504040204" pitchFamily="50" charset="-128"/>
+              <a:ea typeface="メイリオ" panose="020B0604030504040204" pitchFamily="50" charset="-128"/>
+            </a:endParaRPr>
+          </a:p>
+        </p:txBody>
+      </p:sp>
     </p:spTree>
     <p:extLst>
       <p:ext uri="{BB962C8B-B14F-4D97-AF65-F5344CB8AC3E}">
-        <p14:creationId xmlns:p14="http://schemas.microsoft.com/office/powerpoint/2010/main" val="2968142058"/>
+        <p14:creationId xmlns:p14="http://schemas.microsoft.com/office/powerpoint/2010/main" val="3767595962"/>
       </p:ext>
     </p:extLst>
   </p:cSld>
   <p:clrMapOvr>
     <a:masterClrMapping/>
   </p:clrMapOvr>
-  <p:timing>
-    <p:tnLst>
-      <p:par>
-        <p:cTn id="1" dur="indefinite" restart="never" nodeType="tmRoot"/>
-      </p:par>
-    </p:tnLst>
-  </p:timing>
 </p:sld>
 </file>
 
@@ -3496,29 +3561,6 @@
           <a:chExt cx="0" cy="0"/>
         </a:xfrm>
       </p:grpSpPr>
-      <p:pic>
-        <p:nvPicPr>
-          <p:cNvPr id="2" name="図 1"/>
-          <p:cNvPicPr>
-            <a:picLocks noChangeAspect="1"/>
-          </p:cNvPicPr>
-          <p:nvPr/>
-        </p:nvPicPr>
-        <p:blipFill rotWithShape="1">
-          <a:blip r:embed="rId2"/>
-          <a:srcRect l="28579" t="40451" r="32745" b="25111"/>
-          <a:stretch/>
-        </p:blipFill>
-        <p:spPr>
-          <a:xfrm>
-            <a:off x="169532" y="808892"/>
-            <a:ext cx="11445106" cy="5467029"/>
-          </a:xfrm>
-          <a:prstGeom prst="rect">
-            <a:avLst/>
-          </a:prstGeom>
-        </p:spPr>
-      </p:pic>
       <p:sp>
         <p:nvSpPr>
           <p:cNvPr id="4" name="テキスト ボックス 3"/>
@@ -3543,18 +3585,11 @@
           <a:p>
             <a:pPr algn="ctr"/>
             <a:r>
-              <a:rPr kumimoji="1" lang="ja-JP" altLang="en-US" sz="4000" dirty="0">
-                <a:latin typeface="メイリオ" panose="020B0604030504040204" pitchFamily="50" charset="-128"/>
-                <a:ea typeface="メイリオ" panose="020B0604030504040204" pitchFamily="50" charset="-128"/>
-              </a:rPr>
-              <a:t>入庫</a:t>
-            </a:r>
-            <a:r>
               <a:rPr kumimoji="1" lang="ja-JP" altLang="en-US" sz="4000" dirty="0" smtClean="0">
                 <a:latin typeface="メイリオ" panose="020B0604030504040204" pitchFamily="50" charset="-128"/>
                 <a:ea typeface="メイリオ" panose="020B0604030504040204" pitchFamily="50" charset="-128"/>
               </a:rPr>
-              <a:t>管理</a:t>
+              <a:t>商品管理</a:t>
             </a:r>
             <a:endParaRPr kumimoji="1" lang="ja-JP" altLang="en-US" sz="4000" dirty="0">
               <a:latin typeface="メイリオ" panose="020B0604030504040204" pitchFamily="50" charset="-128"/>
@@ -3563,10 +3598,33 @@
           </a:p>
         </p:txBody>
       </p:sp>
+      <p:pic>
+        <p:nvPicPr>
+          <p:cNvPr id="5" name="図 4"/>
+          <p:cNvPicPr>
+            <a:picLocks noChangeAspect="1"/>
+          </p:cNvPicPr>
+          <p:nvPr/>
+        </p:nvPicPr>
+        <p:blipFill rotWithShape="1">
+          <a:blip r:embed="rId2"/>
+          <a:srcRect l="35280" t="33325" r="29235" b="25738"/>
+          <a:stretch/>
+        </p:blipFill>
+        <p:spPr>
+          <a:xfrm>
+            <a:off x="1195755" y="845642"/>
+            <a:ext cx="8257010" cy="5384484"/>
+          </a:xfrm>
+          <a:prstGeom prst="rect">
+            <a:avLst/>
+          </a:prstGeom>
+        </p:spPr>
+      </p:pic>
     </p:spTree>
     <p:extLst>
       <p:ext uri="{BB962C8B-B14F-4D97-AF65-F5344CB8AC3E}">
-        <p14:creationId xmlns:p14="http://schemas.microsoft.com/office/powerpoint/2010/main" val="3614721884"/>
+        <p14:creationId xmlns:p14="http://schemas.microsoft.com/office/powerpoint/2010/main" val="3241713235"/>
       </p:ext>
     </p:extLst>
   </p:cSld>
@@ -3600,6 +3658,50 @@
           <a:chExt cx="0" cy="0"/>
         </a:xfrm>
       </p:grpSpPr>
+      <p:sp>
+        <p:nvSpPr>
+          <p:cNvPr id="4" name="テキスト ボックス 3"/>
+          <p:cNvSpPr txBox="1"/>
+          <p:nvPr/>
+        </p:nvSpPr>
+        <p:spPr>
+          <a:xfrm>
+            <a:off x="9324501" y="1224353"/>
+            <a:ext cx="2804745" cy="707886"/>
+          </a:xfrm>
+          <a:prstGeom prst="rect">
+            <a:avLst/>
+          </a:prstGeom>
+          <a:noFill/>
+        </p:spPr>
+        <p:txBody>
+          <a:bodyPr wrap="square" rtlCol="0">
+            <a:spAutoFit/>
+          </a:bodyPr>
+          <a:lstStyle/>
+          <a:p>
+            <a:pPr algn="ctr"/>
+            <a:r>
+              <a:rPr kumimoji="1" lang="ja-JP" altLang="en-US" sz="4000" dirty="0">
+                <a:latin typeface="メイリオ" panose="020B0604030504040204" pitchFamily="50" charset="-128"/>
+                <a:ea typeface="メイリオ" panose="020B0604030504040204" pitchFamily="50" charset="-128"/>
+              </a:rPr>
+              <a:t>発注</a:t>
+            </a:r>
+            <a:r>
+              <a:rPr kumimoji="1" lang="ja-JP" altLang="en-US" sz="4000" dirty="0" smtClean="0">
+                <a:latin typeface="メイリオ" panose="020B0604030504040204" pitchFamily="50" charset="-128"/>
+                <a:ea typeface="メイリオ" panose="020B0604030504040204" pitchFamily="50" charset="-128"/>
+              </a:rPr>
+              <a:t>管理</a:t>
+            </a:r>
+            <a:endParaRPr kumimoji="1" lang="ja-JP" altLang="en-US" sz="4000" dirty="0">
+              <a:latin typeface="メイリオ" panose="020B0604030504040204" pitchFamily="50" charset="-128"/>
+              <a:ea typeface="メイリオ" panose="020B0604030504040204" pitchFamily="50" charset="-128"/>
+            </a:endParaRPr>
+          </a:p>
+        </p:txBody>
+      </p:sp>
       <p:pic>
         <p:nvPicPr>
           <p:cNvPr id="2" name="図 1"/>
@@ -3610,67 +3712,23 @@
         </p:nvPicPr>
         <p:blipFill rotWithShape="1">
           <a:blip r:embed="rId2"/>
-          <a:srcRect l="26911" t="37710" r="29902" b="24306"/>
+          <a:srcRect l="26569" t="22359" r="36568" b="4814"/>
           <a:stretch/>
         </p:blipFill>
         <p:spPr>
           <a:xfrm>
-            <a:off x="0" y="1063396"/>
-            <a:ext cx="10231206" cy="4827450"/>
+            <a:off x="1514008" y="0"/>
+            <a:ext cx="6470788" cy="6858001"/>
           </a:xfrm>
           <a:prstGeom prst="rect">
             <a:avLst/>
           </a:prstGeom>
         </p:spPr>
       </p:pic>
-      <p:sp>
-        <p:nvSpPr>
-          <p:cNvPr id="4" name="テキスト ボックス 3"/>
-          <p:cNvSpPr txBox="1"/>
-          <p:nvPr/>
-        </p:nvSpPr>
-        <p:spPr>
-          <a:xfrm>
-            <a:off x="9324501" y="1224353"/>
-            <a:ext cx="2804745" cy="707886"/>
-          </a:xfrm>
-          <a:prstGeom prst="rect">
-            <a:avLst/>
-          </a:prstGeom>
-          <a:noFill/>
-        </p:spPr>
-        <p:txBody>
-          <a:bodyPr wrap="square" rtlCol="0">
-            <a:spAutoFit/>
-          </a:bodyPr>
-          <a:lstStyle/>
-          <a:p>
-            <a:pPr algn="ctr"/>
-            <a:r>
-              <a:rPr kumimoji="1" lang="ja-JP" altLang="en-US" sz="4000" dirty="0">
-                <a:latin typeface="メイリオ" panose="020B0604030504040204" pitchFamily="50" charset="-128"/>
-                <a:ea typeface="メイリオ" panose="020B0604030504040204" pitchFamily="50" charset="-128"/>
-              </a:rPr>
-              <a:t>売上</a:t>
-            </a:r>
-            <a:r>
-              <a:rPr kumimoji="1" lang="ja-JP" altLang="en-US" sz="4000" dirty="0" smtClean="0">
-                <a:latin typeface="メイリオ" panose="020B0604030504040204" pitchFamily="50" charset="-128"/>
-                <a:ea typeface="メイリオ" panose="020B0604030504040204" pitchFamily="50" charset="-128"/>
-              </a:rPr>
-              <a:t>管理</a:t>
-            </a:r>
-            <a:endParaRPr kumimoji="1" lang="ja-JP" altLang="en-US" sz="4000" dirty="0">
-              <a:latin typeface="メイリオ" panose="020B0604030504040204" pitchFamily="50" charset="-128"/>
-              <a:ea typeface="メイリオ" panose="020B0604030504040204" pitchFamily="50" charset="-128"/>
-            </a:endParaRPr>
-          </a:p>
-        </p:txBody>
-      </p:sp>
     </p:spTree>
     <p:extLst>
       <p:ext uri="{BB962C8B-B14F-4D97-AF65-F5344CB8AC3E}">
-        <p14:creationId xmlns:p14="http://schemas.microsoft.com/office/powerpoint/2010/main" val="3795698143"/>
+        <p14:creationId xmlns:p14="http://schemas.microsoft.com/office/powerpoint/2010/main" val="2281766025"/>
       </p:ext>
     </p:extLst>
   </p:cSld>
@@ -3714,13 +3772,13 @@
         </p:nvPicPr>
         <p:blipFill rotWithShape="1">
           <a:blip r:embed="rId2"/>
-          <a:srcRect l="23431" t="25441" r="16176" b="36912"/>
+          <a:srcRect l="28579" t="40451" r="32745" b="25111"/>
           <a:stretch/>
         </p:blipFill>
         <p:spPr>
           <a:xfrm>
-            <a:off x="110594" y="1866193"/>
-            <a:ext cx="11779709" cy="3939318"/>
+            <a:off x="169532" y="808892"/>
+            <a:ext cx="11445106" cy="5467029"/>
           </a:xfrm>
           <a:prstGeom prst="rect">
             <a:avLst/>
@@ -3755,7 +3813,7 @@
                 <a:latin typeface="メイリオ" panose="020B0604030504040204" pitchFamily="50" charset="-128"/>
                 <a:ea typeface="メイリオ" panose="020B0604030504040204" pitchFamily="50" charset="-128"/>
               </a:rPr>
-              <a:t>注文</a:t>
+              <a:t>入庫</a:t>
             </a:r>
             <a:r>
               <a:rPr kumimoji="1" lang="ja-JP" altLang="en-US" sz="4000" dirty="0" smtClean="0">
@@ -3774,7 +3832,7 @@
     </p:spTree>
     <p:extLst>
       <p:ext uri="{BB962C8B-B14F-4D97-AF65-F5344CB8AC3E}">
-        <p14:creationId xmlns:p14="http://schemas.microsoft.com/office/powerpoint/2010/main" val="2079177760"/>
+        <p14:creationId xmlns:p14="http://schemas.microsoft.com/office/powerpoint/2010/main" val="3614721884"/>
       </p:ext>
     </p:extLst>
   </p:cSld>
@@ -3808,6 +3866,29 @@
           <a:chExt cx="0" cy="0"/>
         </a:xfrm>
       </p:grpSpPr>
+      <p:pic>
+        <p:nvPicPr>
+          <p:cNvPr id="2" name="図 1"/>
+          <p:cNvPicPr>
+            <a:picLocks noChangeAspect="1"/>
+          </p:cNvPicPr>
+          <p:nvPr/>
+        </p:nvPicPr>
+        <p:blipFill rotWithShape="1">
+          <a:blip r:embed="rId2"/>
+          <a:srcRect l="23431" t="25441" r="16176" b="36912"/>
+          <a:stretch/>
+        </p:blipFill>
+        <p:spPr>
+          <a:xfrm>
+            <a:off x="110594" y="1866193"/>
+            <a:ext cx="11779709" cy="3939318"/>
+          </a:xfrm>
+          <a:prstGeom prst="rect">
+            <a:avLst/>
+          </a:prstGeom>
+        </p:spPr>
+      </p:pic>
       <p:sp>
         <p:nvSpPr>
           <p:cNvPr id="4" name="テキスト ボックス 3"/>
@@ -3836,7 +3917,7 @@
                 <a:latin typeface="メイリオ" panose="020B0604030504040204" pitchFamily="50" charset="-128"/>
                 <a:ea typeface="メイリオ" panose="020B0604030504040204" pitchFamily="50" charset="-128"/>
               </a:rPr>
-              <a:t>発注</a:t>
+              <a:t>注文</a:t>
             </a:r>
             <a:r>
               <a:rPr kumimoji="1" lang="ja-JP" altLang="en-US" sz="4000" dirty="0" smtClean="0">
@@ -3852,33 +3933,10 @@
           </a:p>
         </p:txBody>
       </p:sp>
-      <p:pic>
-        <p:nvPicPr>
-          <p:cNvPr id="2" name="図 1"/>
-          <p:cNvPicPr>
-            <a:picLocks noChangeAspect="1"/>
-          </p:cNvPicPr>
-          <p:nvPr/>
-        </p:nvPicPr>
-        <p:blipFill rotWithShape="1">
-          <a:blip r:embed="rId2"/>
-          <a:srcRect l="26569" t="22359" r="36568" b="4814"/>
-          <a:stretch/>
-        </p:blipFill>
-        <p:spPr>
-          <a:xfrm>
-            <a:off x="1514008" y="0"/>
-            <a:ext cx="6470788" cy="6858001"/>
-          </a:xfrm>
-          <a:prstGeom prst="rect">
-            <a:avLst/>
-          </a:prstGeom>
-        </p:spPr>
-      </p:pic>
     </p:spTree>
     <p:extLst>
       <p:ext uri="{BB962C8B-B14F-4D97-AF65-F5344CB8AC3E}">
-        <p14:creationId xmlns:p14="http://schemas.microsoft.com/office/powerpoint/2010/main" val="2281766025"/>
+        <p14:creationId xmlns:p14="http://schemas.microsoft.com/office/powerpoint/2010/main" val="2079177760"/>
       </p:ext>
     </p:extLst>
   </p:cSld>
@@ -3912,96 +3970,77 @@
           <a:chExt cx="0" cy="0"/>
         </a:xfrm>
       </p:grpSpPr>
-      <p:sp>
-        <p:nvSpPr>
-          <p:cNvPr id="2" name="タイトル 1"/>
-          <p:cNvSpPr>
-            <a:spLocks noGrp="1"/>
-          </p:cNvSpPr>
-          <p:nvPr>
-            <p:ph type="title"/>
-          </p:nvPr>
-        </p:nvSpPr>
+      <p:pic>
+        <p:nvPicPr>
+          <p:cNvPr id="5" name="図 4"/>
+          <p:cNvPicPr>
+            <a:picLocks noChangeAspect="1"/>
+          </p:cNvPicPr>
+          <p:nvPr/>
+        </p:nvPicPr>
+        <p:blipFill rotWithShape="1">
+          <a:blip r:embed="rId2"/>
+          <a:srcRect l="25880" t="24460" r="25883" b="24735"/>
+          <a:stretch/>
+        </p:blipFill>
         <p:spPr>
           <a:xfrm>
-            <a:off x="851267" y="275816"/>
-            <a:ext cx="8534400" cy="1507067"/>
+            <a:off x="663388" y="1296068"/>
+            <a:ext cx="9843419" cy="5561932"/>
           </a:xfrm>
+          <a:prstGeom prst="rect">
+            <a:avLst/>
+          </a:prstGeom>
         </p:spPr>
-        <p:txBody>
-          <a:bodyPr anchor="ctr">
-            <a:normAutofit/>
-          </a:bodyPr>
-          <a:lstStyle/>
-          <a:p>
-            <a:r>
-              <a:rPr lang="ja-JP" altLang="en-US" sz="4800" dirty="0" smtClean="0"/>
-              <a:t>主な追加機能</a:t>
-            </a:r>
-            <a:endParaRPr kumimoji="1" lang="ja-JP" altLang="en-US" sz="4800" dirty="0"/>
-          </a:p>
-        </p:txBody>
-      </p:sp>
-      <p:sp>
-        <p:nvSpPr>
-          <p:cNvPr id="3" name="コンテンツ プレースホルダー 2"/>
-          <p:cNvSpPr>
-            <a:spLocks noGrp="1"/>
-          </p:cNvSpPr>
-          <p:nvPr>
-            <p:ph idx="1"/>
-          </p:nvPr>
+      </p:pic>
+      <p:sp>
+        <p:nvSpPr>
+          <p:cNvPr id="4" name="テキスト ボックス 3"/>
+          <p:cNvSpPr txBox="1"/>
+          <p:nvPr/>
         </p:nvSpPr>
         <p:spPr>
           <a:xfrm>
-            <a:off x="851267" y="2426677"/>
-            <a:ext cx="8534400" cy="3615267"/>
+            <a:off x="9324501" y="1224353"/>
+            <a:ext cx="2804745" cy="707886"/>
           </a:xfrm>
+          <a:prstGeom prst="rect">
+            <a:avLst/>
+          </a:prstGeom>
+          <a:noFill/>
         </p:spPr>
         <p:txBody>
-          <a:bodyPr anchor="t">
-            <a:normAutofit/>
+          <a:bodyPr wrap="square" rtlCol="0">
+            <a:spAutoFit/>
           </a:bodyPr>
           <a:lstStyle/>
           <a:p>
-            <a:r>
-              <a:rPr lang="ja-JP" altLang="en-US" sz="3600" dirty="0"/>
-              <a:t>権限</a:t>
-            </a:r>
-            <a:r>
-              <a:rPr kumimoji="1" lang="ja-JP" altLang="en-US" sz="3600" dirty="0" smtClean="0"/>
-              <a:t>管理によるログイン機能</a:t>
-            </a:r>
-            <a:endParaRPr kumimoji="1" lang="en-US" altLang="ja-JP" sz="3600" dirty="0" smtClean="0"/>
-          </a:p>
-          <a:p>
-            <a:endParaRPr lang="en-US" altLang="ja-JP" sz="3600" dirty="0"/>
-          </a:p>
-          <a:p>
-            <a:r>
-              <a:rPr kumimoji="1" lang="ja-JP" altLang="en-US" sz="3600" dirty="0" smtClean="0"/>
-              <a:t>在庫管理による安全在庫を下回った際</a:t>
-            </a:r>
-            <a:r>
-              <a:rPr kumimoji="1" lang="ja-JP" altLang="en-US" sz="3600" dirty="0" smtClean="0"/>
-              <a:t>の</a:t>
-            </a:r>
-            <a:r>
-              <a:rPr lang="ja-JP" altLang="en-US" sz="3600" dirty="0"/>
-              <a:t>通知</a:t>
-            </a:r>
-            <a:r>
-              <a:rPr kumimoji="1" lang="ja-JP" altLang="en-US" sz="3600" dirty="0" smtClean="0"/>
-              <a:t>機能</a:t>
-            </a:r>
-            <a:endParaRPr kumimoji="1" lang="ja-JP" altLang="en-US" sz="3600" dirty="0"/>
+            <a:pPr algn="ctr"/>
+            <a:r>
+              <a:rPr kumimoji="1" lang="ja-JP" altLang="en-US" sz="4000" dirty="0">
+                <a:latin typeface="メイリオ" panose="020B0604030504040204" pitchFamily="50" charset="-128"/>
+                <a:ea typeface="メイリオ" panose="020B0604030504040204" pitchFamily="50" charset="-128"/>
+              </a:rPr>
+              <a:t>出庫</a:t>
+            </a:r>
+            <a:r>
+              <a:rPr kumimoji="1" lang="ja-JP" altLang="en-US" sz="4000" dirty="0" smtClean="0">
+                <a:latin typeface="メイリオ" panose="020B0604030504040204" pitchFamily="50" charset="-128"/>
+                <a:ea typeface="メイリオ" panose="020B0604030504040204" pitchFamily="50" charset="-128"/>
+              </a:rPr>
+              <a:t>管理</a:t>
+            </a:r>
+            <a:endParaRPr kumimoji="1" lang="ja-JP" altLang="en-US" sz="4000" dirty="0">
+              <a:latin typeface="メイリオ" panose="020B0604030504040204" pitchFamily="50" charset="-128"/>
+              <a:ea typeface="メイリオ" panose="020B0604030504040204" pitchFamily="50" charset="-128"/>
+            </a:endParaRPr>
           </a:p>
         </p:txBody>
       </p:sp>
     </p:spTree>
     <p:extLst>
       <p:ext uri="{BB962C8B-B14F-4D97-AF65-F5344CB8AC3E}">
-        <p14:creationId xmlns:p14="http://schemas.microsoft.com/office/powerpoint/2010/main" val="3040871592"/>
+        <p14:creationId xmlns:p14="http://schemas.microsoft.com/office/powerpoint/2010/main" val="2275050623"/>
       </p:ext>
     </p:extLst>
   </p:cSld>
@@ -4035,209 +4074,77 @@
           <a:chExt cx="0" cy="0"/>
         </a:xfrm>
       </p:grpSpPr>
-      <p:sp>
-        <p:nvSpPr>
-          <p:cNvPr id="2" name="タイトル 1"/>
-          <p:cNvSpPr>
-            <a:spLocks noGrp="1"/>
-          </p:cNvSpPr>
-          <p:nvPr>
-            <p:ph type="title"/>
-          </p:nvPr>
-        </p:nvSpPr>
+      <p:pic>
+        <p:nvPicPr>
+          <p:cNvPr id="2" name="図 1"/>
+          <p:cNvPicPr>
+            <a:picLocks noChangeAspect="1"/>
+          </p:cNvPicPr>
+          <p:nvPr/>
+        </p:nvPicPr>
+        <p:blipFill rotWithShape="1">
+          <a:blip r:embed="rId2"/>
+          <a:srcRect l="26372" t="31131" r="34853" b="28230"/>
+          <a:stretch/>
+        </p:blipFill>
         <p:spPr>
           <a:xfrm>
-            <a:off x="320512" y="275816"/>
-            <a:ext cx="9624766" cy="1507067"/>
+            <a:off x="648567" y="800101"/>
+            <a:ext cx="9801349" cy="5510700"/>
           </a:xfrm>
+          <a:prstGeom prst="rect">
+            <a:avLst/>
+          </a:prstGeom>
         </p:spPr>
-        <p:txBody>
-          <a:bodyPr anchor="ctr">
-            <a:normAutofit/>
-          </a:bodyPr>
-          <a:lstStyle/>
-          <a:p>
-            <a:r>
-              <a:rPr lang="ja-JP" altLang="en-US" sz="4800" dirty="0"/>
-              <a:t>権限</a:t>
-            </a:r>
-            <a:r>
-              <a:rPr lang="ja-JP" altLang="en-US" sz="4800" dirty="0" smtClean="0"/>
-              <a:t>管理によるログイン機能</a:t>
-            </a:r>
-            <a:endParaRPr kumimoji="1" lang="ja-JP" altLang="en-US" sz="4800" dirty="0"/>
-          </a:p>
-        </p:txBody>
-      </p:sp>
-      <p:sp>
-        <p:nvSpPr>
-          <p:cNvPr id="3" name="コンテンツ プレースホルダー 2"/>
-          <p:cNvSpPr>
-            <a:spLocks noGrp="1"/>
-          </p:cNvSpPr>
-          <p:nvPr>
-            <p:ph idx="1"/>
-          </p:nvPr>
+      </p:pic>
+      <p:sp>
+        <p:nvSpPr>
+          <p:cNvPr id="4" name="テキスト ボックス 3"/>
+          <p:cNvSpPr txBox="1"/>
+          <p:nvPr/>
         </p:nvSpPr>
         <p:spPr>
           <a:xfrm>
-            <a:off x="1053490" y="2013438"/>
-            <a:ext cx="9527644" cy="4914900"/>
+            <a:off x="9324501" y="1224353"/>
+            <a:ext cx="2804745" cy="707886"/>
           </a:xfrm>
+          <a:prstGeom prst="rect">
+            <a:avLst/>
+          </a:prstGeom>
+          <a:noFill/>
         </p:spPr>
         <p:txBody>
-          <a:bodyPr anchor="t">
-            <a:noAutofit/>
+          <a:bodyPr wrap="square" rtlCol="0">
+            <a:spAutoFit/>
           </a:bodyPr>
           <a:lstStyle/>
           <a:p>
-            <a:pPr marL="0" indent="0">
-              <a:lnSpc>
-                <a:spcPct val="120000"/>
-              </a:lnSpc>
-              <a:buNone/>
-            </a:pPr>
-            <a:r>
-              <a:rPr lang="ja-JP" altLang="en-US" sz="3200" dirty="0" smtClean="0"/>
-              <a:t>社員</a:t>
-            </a:r>
-            <a:r>
-              <a:rPr lang="en-US" altLang="ja-JP" sz="3200" dirty="0" smtClean="0"/>
-              <a:t>ID</a:t>
-            </a:r>
-            <a:r>
-              <a:rPr lang="ja-JP" altLang="en-US" sz="3200" dirty="0" smtClean="0"/>
-              <a:t>の入力は手入力とスキャナの二種類の入力方法が存在する</a:t>
-            </a:r>
-            <a:r>
-              <a:rPr lang="ja-JP" altLang="en-US" sz="3200" dirty="0" smtClean="0"/>
-              <a:t>。</a:t>
-            </a:r>
-            <a:endParaRPr lang="en-US" altLang="ja-JP" sz="3200" dirty="0" smtClean="0"/>
-          </a:p>
-          <a:p>
-            <a:pPr marL="0" indent="0">
-              <a:lnSpc>
-                <a:spcPct val="100000"/>
-              </a:lnSpc>
-              <a:buNone/>
-            </a:pPr>
-            <a:r>
-              <a:rPr lang="ja-JP" altLang="en-US" sz="3600" dirty="0" smtClean="0"/>
-              <a:t>　</a:t>
-            </a:r>
-            <a:r>
-              <a:rPr lang="ja-JP" altLang="en-US" sz="2400" dirty="0" smtClean="0">
-                <a:solidFill>
-                  <a:schemeClr val="accent5"/>
-                </a:solidFill>
-              </a:rPr>
-              <a:t>→パスワードは管理画面で変更でき、</a:t>
-            </a:r>
-            <a:r>
-              <a:rPr lang="en-US" altLang="ja-JP" sz="2400" dirty="0" smtClean="0">
-                <a:solidFill>
-                  <a:schemeClr val="accent5"/>
-                </a:solidFill>
-              </a:rPr>
-              <a:t>DB</a:t>
-            </a:r>
-            <a:r>
-              <a:rPr lang="ja-JP" altLang="en-US" sz="2400" dirty="0" smtClean="0">
-                <a:solidFill>
-                  <a:schemeClr val="accent5"/>
-                </a:solidFill>
-              </a:rPr>
-              <a:t>上にはハッ</a:t>
-            </a:r>
-            <a:endParaRPr lang="en-US" altLang="ja-JP" sz="2400" dirty="0" smtClean="0">
-              <a:solidFill>
-                <a:schemeClr val="accent5"/>
-              </a:solidFill>
+            <a:pPr algn="ctr"/>
+            <a:r>
+              <a:rPr kumimoji="1" lang="ja-JP" altLang="en-US" sz="4000" dirty="0">
+                <a:latin typeface="メイリオ" panose="020B0604030504040204" pitchFamily="50" charset="-128"/>
+                <a:ea typeface="メイリオ" panose="020B0604030504040204" pitchFamily="50" charset="-128"/>
+              </a:rPr>
+              <a:t>顧客</a:t>
+            </a:r>
+            <a:r>
+              <a:rPr kumimoji="1" lang="ja-JP" altLang="en-US" sz="4000" dirty="0" smtClean="0">
+                <a:latin typeface="メイリオ" panose="020B0604030504040204" pitchFamily="50" charset="-128"/>
+                <a:ea typeface="メイリオ" panose="020B0604030504040204" pitchFamily="50" charset="-128"/>
+              </a:rPr>
+              <a:t>管理</a:t>
+            </a:r>
+            <a:endParaRPr kumimoji="1" lang="ja-JP" altLang="en-US" sz="4000" dirty="0">
+              <a:latin typeface="メイリオ" panose="020B0604030504040204" pitchFamily="50" charset="-128"/>
+              <a:ea typeface="メイリオ" panose="020B0604030504040204" pitchFamily="50" charset="-128"/>
             </a:endParaRPr>
-          </a:p>
-          <a:p>
-            <a:pPr marL="0" indent="0">
-              <a:lnSpc>
-                <a:spcPct val="100000"/>
-              </a:lnSpc>
-              <a:buNone/>
-            </a:pPr>
-            <a:r>
-              <a:rPr lang="ja-JP" altLang="en-US" sz="2400" dirty="0">
-                <a:solidFill>
-                  <a:schemeClr val="accent5"/>
-                </a:solidFill>
-              </a:rPr>
-              <a:t>　</a:t>
-            </a:r>
-            <a:r>
-              <a:rPr lang="ja-JP" altLang="en-US" sz="2400" dirty="0" smtClean="0">
-                <a:solidFill>
-                  <a:schemeClr val="accent5"/>
-                </a:solidFill>
-              </a:rPr>
-              <a:t>　シュ化して保存される。</a:t>
-            </a:r>
-            <a:endParaRPr lang="en-US" altLang="ja-JP" sz="2400" dirty="0" smtClean="0">
-              <a:solidFill>
-                <a:schemeClr val="accent5"/>
-              </a:solidFill>
-            </a:endParaRPr>
-          </a:p>
-          <a:p>
-            <a:pPr marL="0" indent="0">
-              <a:lnSpc>
-                <a:spcPct val="120000"/>
-              </a:lnSpc>
-              <a:buNone/>
-            </a:pPr>
-            <a:r>
-              <a:rPr lang="ja-JP" altLang="en-US" sz="3200" dirty="0"/>
-              <a:t>権限</a:t>
-            </a:r>
-            <a:r>
-              <a:rPr lang="ja-JP" altLang="en-US" sz="3200" dirty="0" smtClean="0"/>
-              <a:t>は部署ごと、管理職ごと</a:t>
-            </a:r>
-            <a:r>
-              <a:rPr lang="ja-JP" altLang="en-US" sz="3200" dirty="0" smtClean="0"/>
-              <a:t>に</a:t>
-            </a:r>
-            <a:r>
-              <a:rPr lang="ja-JP" altLang="en-US" sz="3200" dirty="0"/>
-              <a:t>設定</a:t>
-            </a:r>
-            <a:r>
-              <a:rPr lang="ja-JP" altLang="en-US" sz="3200" dirty="0" smtClean="0"/>
-              <a:t>されており、どちらかで操作権限があれば、該当する管理画面に遷移で</a:t>
-            </a:r>
-            <a:r>
-              <a:rPr lang="ja-JP" altLang="en-US" sz="3200" dirty="0"/>
-              <a:t>き</a:t>
-            </a:r>
-            <a:r>
-              <a:rPr lang="ja-JP" altLang="en-US" sz="3200" dirty="0" smtClean="0"/>
-              <a:t>る</a:t>
-            </a:r>
-            <a:r>
-              <a:rPr lang="ja-JP" altLang="en-US" sz="3200" dirty="0" smtClean="0"/>
-              <a:t>。</a:t>
-            </a:r>
-            <a:endParaRPr lang="en-US" altLang="ja-JP" sz="3200" dirty="0" smtClean="0"/>
-          </a:p>
-          <a:p>
-            <a:pPr marL="0" indent="0">
-              <a:buNone/>
-            </a:pPr>
-            <a:endParaRPr kumimoji="1" lang="ja-JP" altLang="en-US" sz="3600" dirty="0"/>
           </a:p>
         </p:txBody>
       </p:sp>
     </p:spTree>
     <p:extLst>
       <p:ext uri="{BB962C8B-B14F-4D97-AF65-F5344CB8AC3E}">
-        <p14:creationId xmlns:p14="http://schemas.microsoft.com/office/powerpoint/2010/main" val="3856149143"/>
+        <p14:creationId xmlns:p14="http://schemas.microsoft.com/office/powerpoint/2010/main" val="2968142058"/>
       </p:ext>
     </p:extLst>
   </p:cSld>
@@ -4271,147 +4178,77 @@
           <a:chExt cx="0" cy="0"/>
         </a:xfrm>
       </p:grpSpPr>
-      <p:sp>
-        <p:nvSpPr>
-          <p:cNvPr id="2" name="タイトル 1"/>
-          <p:cNvSpPr>
-            <a:spLocks noGrp="1"/>
-          </p:cNvSpPr>
-          <p:nvPr>
-            <p:ph type="title"/>
-          </p:nvPr>
-        </p:nvSpPr>
+      <p:pic>
+        <p:nvPicPr>
+          <p:cNvPr id="2" name="図 1"/>
+          <p:cNvPicPr>
+            <a:picLocks noChangeAspect="1"/>
+          </p:cNvPicPr>
+          <p:nvPr/>
+        </p:nvPicPr>
+        <p:blipFill rotWithShape="1">
+          <a:blip r:embed="rId2"/>
+          <a:srcRect l="26911" t="37710" r="29902" b="24306"/>
+          <a:stretch/>
+        </p:blipFill>
         <p:spPr>
           <a:xfrm>
-            <a:off x="320512" y="275816"/>
-            <a:ext cx="10643496" cy="1507067"/>
+            <a:off x="0" y="1063396"/>
+            <a:ext cx="10231206" cy="4827450"/>
           </a:xfrm>
+          <a:prstGeom prst="rect">
+            <a:avLst/>
+          </a:prstGeom>
         </p:spPr>
-        <p:txBody>
-          <a:bodyPr anchor="ctr">
-            <a:normAutofit/>
-          </a:bodyPr>
-          <a:lstStyle/>
-          <a:p>
-            <a:r>
-              <a:rPr lang="ja-JP" altLang="en-US" sz="4800" dirty="0" smtClean="0"/>
-              <a:t>安全</a:t>
-            </a:r>
-            <a:r>
-              <a:rPr lang="ja-JP" altLang="en-US" sz="4800" dirty="0" smtClean="0"/>
-              <a:t>在庫を下回った際のアラート機能</a:t>
-            </a:r>
-            <a:endParaRPr kumimoji="1" lang="ja-JP" altLang="en-US" sz="4800" dirty="0"/>
-          </a:p>
-        </p:txBody>
-      </p:sp>
-      <p:sp>
-        <p:nvSpPr>
-          <p:cNvPr id="3" name="コンテンツ プレースホルダー 2"/>
-          <p:cNvSpPr>
-            <a:spLocks noGrp="1"/>
-          </p:cNvSpPr>
-          <p:nvPr>
-            <p:ph idx="1"/>
-          </p:nvPr>
+      </p:pic>
+      <p:sp>
+        <p:nvSpPr>
+          <p:cNvPr id="4" name="テキスト ボックス 3"/>
+          <p:cNvSpPr txBox="1"/>
+          <p:nvPr/>
         </p:nvSpPr>
         <p:spPr>
           <a:xfrm>
-            <a:off x="851267" y="2426677"/>
-            <a:ext cx="9527644" cy="3615267"/>
+            <a:off x="9324501" y="1224353"/>
+            <a:ext cx="2804745" cy="707886"/>
           </a:xfrm>
+          <a:prstGeom prst="rect">
+            <a:avLst/>
+          </a:prstGeom>
+          <a:noFill/>
         </p:spPr>
         <p:txBody>
-          <a:bodyPr anchor="t">
-            <a:normAutofit/>
+          <a:bodyPr wrap="square" rtlCol="0">
+            <a:spAutoFit/>
           </a:bodyPr>
           <a:lstStyle/>
           <a:p>
-            <a:pPr marL="0" indent="0">
-              <a:buNone/>
-            </a:pPr>
-            <a:r>
-              <a:rPr kumimoji="1" lang="ja-JP" altLang="en-US" sz="3200" dirty="0" smtClean="0"/>
-              <a:t>倉庫内のある商品の在庫</a:t>
-            </a:r>
-            <a:r>
-              <a:rPr kumimoji="1" lang="ja-JP" altLang="en-US" sz="3200" dirty="0" smtClean="0"/>
-              <a:t>が安全</a:t>
-            </a:r>
-            <a:r>
-              <a:rPr kumimoji="1" lang="ja-JP" altLang="en-US" sz="3200" dirty="0" smtClean="0"/>
-              <a:t>在庫数を下回った場合にホーム画面に表示し、</a:t>
-            </a:r>
-            <a:endParaRPr kumimoji="1" lang="en-US" altLang="ja-JP" sz="3200" dirty="0" smtClean="0"/>
-          </a:p>
-          <a:p>
-            <a:pPr marL="0" indent="0">
-              <a:buNone/>
-            </a:pPr>
-            <a:r>
-              <a:rPr kumimoji="1" lang="ja-JP" altLang="en-US" sz="3200" dirty="0" smtClean="0">
-                <a:solidFill>
-                  <a:srgbClr val="FF0000"/>
-                </a:solidFill>
-              </a:rPr>
-              <a:t>素早く</a:t>
-            </a:r>
-            <a:r>
-              <a:rPr kumimoji="1" lang="ja-JP" altLang="en-US" sz="3200" dirty="0" smtClean="0"/>
-              <a:t>在庫</a:t>
-            </a:r>
-            <a:r>
-              <a:rPr kumimoji="1" lang="ja-JP" altLang="en-US" sz="3200" dirty="0" smtClean="0"/>
-              <a:t>の減少を知らせる機能。</a:t>
-            </a:r>
-            <a:endParaRPr kumimoji="1" lang="en-US" altLang="ja-JP" sz="3200" dirty="0" smtClean="0"/>
-          </a:p>
-          <a:p>
-            <a:pPr marL="0" indent="0">
-              <a:buNone/>
-            </a:pPr>
-            <a:r>
-              <a:rPr lang="ja-JP" altLang="en-US" sz="3200" dirty="0" smtClean="0"/>
-              <a:t>　</a:t>
-            </a:r>
-            <a:r>
-              <a:rPr lang="ja-JP" altLang="en-US" dirty="0" smtClean="0"/>
-              <a:t>→</a:t>
-            </a:r>
-            <a:r>
-              <a:rPr kumimoji="1" lang="ja-JP" altLang="en-US" dirty="0" smtClean="0"/>
-              <a:t>在庫数の枯渇により出庫日数が伸びてしまう、という</a:t>
-            </a:r>
-            <a:endParaRPr kumimoji="1" lang="en-US" altLang="ja-JP" dirty="0" smtClean="0"/>
-          </a:p>
-          <a:p>
-            <a:pPr marL="0" indent="0">
-              <a:buNone/>
-            </a:pPr>
-            <a:r>
-              <a:rPr lang="ja-JP" altLang="en-US" dirty="0"/>
-              <a:t>　</a:t>
-            </a:r>
-            <a:r>
-              <a:rPr lang="ja-JP" altLang="en-US" dirty="0" smtClean="0"/>
-              <a:t>　</a:t>
-            </a:r>
-            <a:r>
-              <a:rPr kumimoji="1" lang="ja-JP" altLang="en-US" dirty="0" smtClean="0"/>
-              <a:t>事態を防ぐ目的</a:t>
-            </a:r>
-            <a:r>
-              <a:rPr kumimoji="1" lang="ja-JP" altLang="en-US" sz="3200" dirty="0" smtClean="0"/>
-              <a:t>。</a:t>
-            </a:r>
-            <a:endParaRPr kumimoji="1" lang="ja-JP" altLang="en-US" sz="3200" dirty="0"/>
+            <a:pPr algn="ctr"/>
+            <a:r>
+              <a:rPr kumimoji="1" lang="ja-JP" altLang="en-US" sz="4000" dirty="0">
+                <a:latin typeface="メイリオ" panose="020B0604030504040204" pitchFamily="50" charset="-128"/>
+                <a:ea typeface="メイリオ" panose="020B0604030504040204" pitchFamily="50" charset="-128"/>
+              </a:rPr>
+              <a:t>売上</a:t>
+            </a:r>
+            <a:r>
+              <a:rPr kumimoji="1" lang="ja-JP" altLang="en-US" sz="4000" dirty="0" smtClean="0">
+                <a:latin typeface="メイリオ" panose="020B0604030504040204" pitchFamily="50" charset="-128"/>
+                <a:ea typeface="メイリオ" panose="020B0604030504040204" pitchFamily="50" charset="-128"/>
+              </a:rPr>
+              <a:t>管理</a:t>
+            </a:r>
+            <a:endParaRPr kumimoji="1" lang="ja-JP" altLang="en-US" sz="4000" dirty="0">
+              <a:latin typeface="メイリオ" panose="020B0604030504040204" pitchFamily="50" charset="-128"/>
+              <a:ea typeface="メイリオ" panose="020B0604030504040204" pitchFamily="50" charset="-128"/>
+            </a:endParaRPr>
           </a:p>
         </p:txBody>
       </p:sp>
     </p:spTree>
     <p:extLst>
       <p:ext uri="{BB962C8B-B14F-4D97-AF65-F5344CB8AC3E}">
-        <p14:creationId xmlns:p14="http://schemas.microsoft.com/office/powerpoint/2010/main" val="2757203990"/>
+        <p14:creationId xmlns:p14="http://schemas.microsoft.com/office/powerpoint/2010/main" val="3795698143"/>
       </p:ext>
     </p:extLst>
   </p:cSld>
@@ -4469,7 +4306,7 @@
           <a:p>
             <a:r>
               <a:rPr lang="ja-JP" altLang="en-US" sz="4800" dirty="0" smtClean="0"/>
-              <a:t>動作環境</a:t>
+              <a:t>主な追加機能</a:t>
             </a:r>
             <a:endParaRPr kumimoji="1" lang="ja-JP" altLang="en-US" sz="4800" dirty="0"/>
           </a:p>
@@ -4487,7 +4324,7 @@
         </p:nvSpPr>
         <p:spPr>
           <a:xfrm>
-            <a:off x="851267" y="2532184"/>
+            <a:off x="851267" y="2426677"/>
             <a:ext cx="8534400" cy="3615267"/>
           </a:xfrm>
         </p:spPr>
@@ -4497,55 +4334,40 @@
           </a:bodyPr>
           <a:lstStyle/>
           <a:p>
-            <a:pPr marL="0" indent="0">
-              <a:buNone/>
-            </a:pPr>
-            <a:r>
-              <a:rPr kumimoji="1" lang="en-US" altLang="ja-JP" sz="3600" dirty="0" smtClean="0"/>
-              <a:t>OS</a:t>
-            </a:r>
             <a:r>
               <a:rPr kumimoji="1" lang="ja-JP" altLang="en-US" sz="3600" dirty="0" smtClean="0"/>
-              <a:t>：</a:t>
-            </a:r>
-            <a:r>
-              <a:rPr kumimoji="1" lang="en-US" altLang="ja-JP" sz="3600" dirty="0" smtClean="0"/>
-              <a:t>Windows10 64bit</a:t>
-            </a:r>
-          </a:p>
-          <a:p>
-            <a:pPr marL="0" indent="0">
-              <a:buNone/>
-            </a:pPr>
-            <a:r>
-              <a:rPr kumimoji="1" lang="en-US" altLang="ja-JP" sz="3600" dirty="0" smtClean="0"/>
-              <a:t>DB</a:t>
+              <a:t>ログイン</a:t>
             </a:r>
             <a:r>
               <a:rPr kumimoji="1" lang="ja-JP" altLang="en-US" sz="3600" dirty="0" smtClean="0"/>
-              <a:t>：</a:t>
-            </a:r>
-            <a:r>
-              <a:rPr kumimoji="1" lang="en-US" altLang="ja-JP" sz="3600" dirty="0" smtClean="0"/>
-              <a:t>Microsoft</a:t>
-            </a:r>
+              <a:t>機能</a:t>
+            </a:r>
+            <a:endParaRPr kumimoji="1" lang="en-US" altLang="ja-JP" sz="3600" dirty="0" smtClean="0"/>
+          </a:p>
+          <a:p>
+            <a:endParaRPr lang="en-US" altLang="ja-JP" sz="3600" dirty="0"/>
+          </a:p>
+          <a:p>
             <a:r>
               <a:rPr kumimoji="1" lang="ja-JP" altLang="en-US" sz="3600" dirty="0" smtClean="0"/>
-              <a:t> </a:t>
-            </a:r>
-            <a:r>
-              <a:rPr kumimoji="1" lang="en-US" altLang="ja-JP" sz="3600" dirty="0" err="1" smtClean="0"/>
-              <a:t>Accees</a:t>
-            </a:r>
-            <a:r>
-              <a:rPr kumimoji="1" lang="en-US" altLang="ja-JP" sz="3600" dirty="0" smtClean="0"/>
-              <a:t> 2016</a:t>
-            </a:r>
-          </a:p>
-          <a:p>
-            <a:pPr marL="0" indent="0">
-              <a:buNone/>
-            </a:pPr>
+              <a:t>倉庫実在庫数が安全在庫数を</a:t>
+            </a:r>
+            <a:r>
+              <a:rPr kumimoji="1" lang="ja-JP" altLang="en-US" sz="3600" dirty="0" smtClean="0"/>
+              <a:t>下回った</a:t>
+            </a:r>
+            <a:r>
+              <a:rPr kumimoji="1" lang="ja-JP" altLang="en-US" sz="3600" dirty="0" smtClean="0"/>
+              <a:t>際</a:t>
+            </a:r>
+            <a:r>
+              <a:rPr lang="ja-JP" altLang="en-US" sz="3600" dirty="0"/>
+              <a:t>に</a:t>
+            </a:r>
+            <a:r>
+              <a:rPr kumimoji="1" lang="ja-JP" altLang="en-US" sz="3600" dirty="0" smtClean="0"/>
+              <a:t>ホーム画面へ表示する機能</a:t>
+            </a:r>
             <a:endParaRPr kumimoji="1" lang="ja-JP" altLang="en-US" sz="3600" dirty="0"/>
           </a:p>
         </p:txBody>
@@ -4553,7 +4375,7 @@
     </p:spTree>
     <p:extLst>
       <p:ext uri="{BB962C8B-B14F-4D97-AF65-F5344CB8AC3E}">
-        <p14:creationId xmlns:p14="http://schemas.microsoft.com/office/powerpoint/2010/main" val="298907181"/>
+        <p14:creationId xmlns:p14="http://schemas.microsoft.com/office/powerpoint/2010/main" val="3040871592"/>
       </p:ext>
     </p:extLst>
   </p:cSld>
@@ -4599,33 +4421,356 @@
         </p:nvSpPr>
         <p:spPr>
           <a:xfrm>
-            <a:off x="1097451" y="2464903"/>
-            <a:ext cx="9905998" cy="1478570"/>
+            <a:off x="320512" y="275816"/>
+            <a:ext cx="9624766" cy="1507067"/>
           </a:xfrm>
         </p:spPr>
         <p:txBody>
-          <a:bodyPr>
+          <a:bodyPr anchor="ctr">
             <a:normAutofit/>
           </a:bodyPr>
           <a:lstStyle/>
           <a:p>
-            <a:pPr algn="ctr"/>
-            <a:r>
-              <a:rPr kumimoji="1" lang="ja-JP" altLang="en-US" sz="5400" dirty="0" smtClean="0"/>
-              <a:t>ご清聴ありがとう</a:t>
-            </a:r>
-            <a:r>
-              <a:rPr kumimoji="1" lang="ja-JP" altLang="en-US" sz="5400" dirty="0" smtClean="0"/>
-              <a:t>ございました。</a:t>
-            </a:r>
-            <a:endParaRPr kumimoji="1" lang="ja-JP" altLang="en-US" sz="5400" dirty="0"/>
+            <a:r>
+              <a:rPr lang="ja-JP" altLang="en-US" sz="4800" dirty="0" smtClean="0"/>
+              <a:t>ログイン</a:t>
+            </a:r>
+            <a:r>
+              <a:rPr lang="ja-JP" altLang="en-US" sz="4800" dirty="0" smtClean="0"/>
+              <a:t>機能</a:t>
+            </a:r>
+            <a:endParaRPr kumimoji="1" lang="ja-JP" altLang="en-US" sz="4800" dirty="0"/>
+          </a:p>
+        </p:txBody>
+      </p:sp>
+      <p:sp>
+        <p:nvSpPr>
+          <p:cNvPr id="3" name="コンテンツ プレースホルダー 2"/>
+          <p:cNvSpPr>
+            <a:spLocks noGrp="1"/>
+          </p:cNvSpPr>
+          <p:nvPr>
+            <p:ph idx="1"/>
+          </p:nvPr>
+        </p:nvSpPr>
+        <p:spPr>
+          <a:xfrm>
+            <a:off x="675421" y="1625275"/>
+            <a:ext cx="9527644" cy="4914900"/>
+          </a:xfrm>
+        </p:spPr>
+        <p:txBody>
+          <a:bodyPr anchor="t">
+            <a:noAutofit/>
+          </a:bodyPr>
+          <a:lstStyle/>
+          <a:p>
+            <a:pPr marL="0" indent="0">
+              <a:lnSpc>
+                <a:spcPct val="120000"/>
+              </a:lnSpc>
+              <a:buNone/>
+            </a:pPr>
+            <a:r>
+              <a:rPr lang="ja-JP" altLang="en-US" sz="3200" dirty="0" smtClean="0"/>
+              <a:t>社員</a:t>
+            </a:r>
+            <a:r>
+              <a:rPr lang="en-US" altLang="ja-JP" sz="3200" dirty="0" smtClean="0"/>
+              <a:t>ID</a:t>
+            </a:r>
+            <a:r>
+              <a:rPr lang="ja-JP" altLang="en-US" sz="3200" dirty="0" smtClean="0"/>
+              <a:t>の入力は</a:t>
+            </a:r>
+            <a:r>
+              <a:rPr lang="ja-JP" altLang="en-US" sz="3200" dirty="0" smtClean="0">
+                <a:solidFill>
+                  <a:srgbClr val="00B0F0"/>
+                </a:solidFill>
+              </a:rPr>
+              <a:t>手入力</a:t>
+            </a:r>
+            <a:r>
+              <a:rPr lang="ja-JP" altLang="en-US" sz="3200" dirty="0" smtClean="0"/>
+              <a:t>と</a:t>
+            </a:r>
+            <a:r>
+              <a:rPr lang="ja-JP" altLang="en-US" sz="3200" dirty="0" smtClean="0">
+                <a:solidFill>
+                  <a:srgbClr val="00B0F0"/>
+                </a:solidFill>
+              </a:rPr>
+              <a:t>スキャナ</a:t>
+            </a:r>
+            <a:r>
+              <a:rPr lang="ja-JP" altLang="en-US" sz="3200" dirty="0" smtClean="0"/>
+              <a:t>の二種類の入力方法が存在する。</a:t>
+            </a:r>
+            <a:endParaRPr lang="en-US" altLang="ja-JP" sz="3200" dirty="0" smtClean="0"/>
+          </a:p>
+          <a:p>
+            <a:pPr marL="0" indent="0">
+              <a:lnSpc>
+                <a:spcPct val="100000"/>
+              </a:lnSpc>
+              <a:buNone/>
+            </a:pPr>
+            <a:r>
+              <a:rPr lang="ja-JP" altLang="en-US" sz="3600" dirty="0" smtClean="0"/>
+              <a:t>　</a:t>
+            </a:r>
+            <a:r>
+              <a:rPr lang="ja-JP" altLang="en-US" sz="2400" dirty="0" smtClean="0">
+                <a:solidFill>
+                  <a:schemeClr val="accent5"/>
+                </a:solidFill>
+              </a:rPr>
+              <a:t>→パスワード</a:t>
+            </a:r>
+            <a:r>
+              <a:rPr lang="ja-JP" altLang="en-US" sz="2400" dirty="0" smtClean="0">
+                <a:solidFill>
+                  <a:schemeClr val="accent5"/>
+                </a:solidFill>
+              </a:rPr>
+              <a:t>はホーム画面</a:t>
+            </a:r>
+            <a:r>
+              <a:rPr lang="ja-JP" altLang="en-US" sz="2400" dirty="0" smtClean="0">
+                <a:solidFill>
+                  <a:schemeClr val="accent5"/>
+                </a:solidFill>
+              </a:rPr>
+              <a:t>で変更</a:t>
+            </a:r>
+            <a:r>
+              <a:rPr lang="ja-JP" altLang="en-US" sz="2400" dirty="0" smtClean="0">
+                <a:solidFill>
+                  <a:schemeClr val="accent5"/>
+                </a:solidFill>
+              </a:rPr>
+              <a:t>でき</a:t>
+            </a:r>
+            <a:r>
+              <a:rPr lang="ja-JP" altLang="en-US" sz="2400" dirty="0" smtClean="0">
+                <a:solidFill>
+                  <a:schemeClr val="accent5"/>
+                </a:solidFill>
+              </a:rPr>
+              <a:t>る。</a:t>
+            </a:r>
+            <a:endParaRPr lang="en-US" altLang="ja-JP" sz="2400" dirty="0" smtClean="0">
+              <a:solidFill>
+                <a:schemeClr val="accent5"/>
+              </a:solidFill>
+            </a:endParaRPr>
+          </a:p>
+          <a:p>
+            <a:pPr marL="0" indent="0">
+              <a:lnSpc>
+                <a:spcPct val="100000"/>
+              </a:lnSpc>
+              <a:buNone/>
+            </a:pPr>
+            <a:r>
+              <a:rPr lang="ja-JP" altLang="en-US" sz="2400" b="1" dirty="0">
+                <a:solidFill>
+                  <a:schemeClr val="accent5"/>
+                </a:solidFill>
+              </a:rPr>
+              <a:t>　</a:t>
+            </a:r>
+            <a:r>
+              <a:rPr lang="en-US" altLang="ja-JP" sz="2200" dirty="0" smtClean="0">
+                <a:solidFill>
+                  <a:srgbClr val="FF0000"/>
+                </a:solidFill>
+              </a:rPr>
+              <a:t>※</a:t>
+            </a:r>
+            <a:r>
+              <a:rPr lang="ja-JP" altLang="en-US" sz="2200" dirty="0" smtClean="0">
+                <a:solidFill>
+                  <a:srgbClr val="FF0000"/>
+                </a:solidFill>
+              </a:rPr>
+              <a:t>セキュリティの関係上、</a:t>
+            </a:r>
+            <a:endParaRPr lang="en-US" altLang="ja-JP" sz="2200" dirty="0" smtClean="0">
+              <a:solidFill>
+                <a:srgbClr val="FF0000"/>
+              </a:solidFill>
+            </a:endParaRPr>
+          </a:p>
+          <a:p>
+            <a:pPr marL="0" indent="0">
+              <a:lnSpc>
+                <a:spcPct val="100000"/>
+              </a:lnSpc>
+              <a:buNone/>
+            </a:pPr>
+            <a:r>
+              <a:rPr lang="ja-JP" altLang="en-US" sz="2200" dirty="0">
+                <a:solidFill>
+                  <a:srgbClr val="FF0000"/>
+                </a:solidFill>
+              </a:rPr>
+              <a:t>　</a:t>
+            </a:r>
+            <a:r>
+              <a:rPr lang="ja-JP" altLang="en-US" sz="2200" dirty="0" smtClean="0">
+                <a:solidFill>
+                  <a:srgbClr val="FF0000"/>
+                </a:solidFill>
+              </a:rPr>
+              <a:t>　パスワードの保存は</a:t>
+            </a:r>
+            <a:r>
+              <a:rPr lang="en-US" altLang="ja-JP" sz="2200" dirty="0"/>
+              <a:t>[</a:t>
+            </a:r>
+            <a:r>
+              <a:rPr lang="ja-JP" altLang="en-US" sz="2200" dirty="0">
+                <a:solidFill>
+                  <a:srgbClr val="00B0F0"/>
+                </a:solidFill>
+              </a:rPr>
+              <a:t>パスワード</a:t>
+            </a:r>
+            <a:r>
+              <a:rPr lang="en-US" altLang="ja-JP" sz="2200" dirty="0"/>
+              <a:t>+</a:t>
+            </a:r>
+            <a:r>
+              <a:rPr lang="en-US" altLang="ja-JP" sz="2200" dirty="0">
+                <a:solidFill>
+                  <a:schemeClr val="accent4"/>
+                </a:solidFill>
+              </a:rPr>
+              <a:t>Salt</a:t>
+            </a:r>
+            <a:r>
+              <a:rPr lang="en-US" altLang="ja-JP" sz="2200" dirty="0"/>
+              <a:t>]</a:t>
+            </a:r>
+            <a:r>
+              <a:rPr lang="ja-JP" altLang="en-US" sz="2200" dirty="0">
+                <a:solidFill>
+                  <a:srgbClr val="FF0000"/>
+                </a:solidFill>
+              </a:rPr>
+              <a:t>を</a:t>
+            </a:r>
+            <a:r>
+              <a:rPr lang="ja-JP" altLang="en-US" sz="2200" dirty="0">
+                <a:solidFill>
+                  <a:srgbClr val="00FF00"/>
+                </a:solidFill>
+              </a:rPr>
+              <a:t>ハッシュ関数</a:t>
+            </a:r>
+            <a:r>
+              <a:rPr lang="ja-JP" altLang="en-US" sz="2200" dirty="0">
+                <a:solidFill>
+                  <a:srgbClr val="FF0000"/>
+                </a:solidFill>
+              </a:rPr>
+              <a:t>で</a:t>
+            </a:r>
+            <a:endParaRPr lang="en-US" altLang="ja-JP" sz="2200" dirty="0">
+              <a:solidFill>
+                <a:srgbClr val="FF0000"/>
+              </a:solidFill>
+            </a:endParaRPr>
+          </a:p>
+          <a:p>
+            <a:pPr marL="0" indent="0">
+              <a:buNone/>
+            </a:pPr>
+            <a:r>
+              <a:rPr lang="ja-JP" altLang="en-US" sz="2200" dirty="0">
+                <a:solidFill>
+                  <a:srgbClr val="FF0000"/>
+                </a:solidFill>
+              </a:rPr>
+              <a:t>　</a:t>
+            </a:r>
+            <a:r>
+              <a:rPr lang="ja-JP" altLang="en-US" sz="2200" dirty="0" smtClean="0">
+                <a:solidFill>
+                  <a:srgbClr val="FF0000"/>
+                </a:solidFill>
+              </a:rPr>
+              <a:t>　ハッシュ化されたもの</a:t>
+            </a:r>
+            <a:r>
+              <a:rPr lang="ja-JP" altLang="en-US" sz="2200" dirty="0">
+                <a:solidFill>
+                  <a:srgbClr val="FF0000"/>
+                </a:solidFill>
+              </a:rPr>
+              <a:t>がデータベースに格納される</a:t>
+            </a:r>
+            <a:r>
+              <a:rPr lang="ja-JP" altLang="en-US" sz="2200" dirty="0" smtClean="0">
+                <a:solidFill>
+                  <a:srgbClr val="FF0000"/>
+                </a:solidFill>
+              </a:rPr>
+              <a:t>。</a:t>
+            </a:r>
+            <a:endParaRPr lang="en-US" altLang="ja-JP" sz="2200" dirty="0" smtClean="0">
+              <a:solidFill>
+                <a:srgbClr val="FF0000"/>
+              </a:solidFill>
+            </a:endParaRPr>
+          </a:p>
+          <a:p>
+            <a:pPr marL="0" indent="0">
+              <a:lnSpc>
+                <a:spcPct val="120000"/>
+              </a:lnSpc>
+              <a:buNone/>
+            </a:pPr>
+            <a:r>
+              <a:rPr lang="ja-JP" altLang="en-US" sz="3200" dirty="0"/>
+              <a:t>権限</a:t>
+            </a:r>
+            <a:r>
+              <a:rPr lang="ja-JP" altLang="en-US" sz="3200" dirty="0" smtClean="0"/>
+              <a:t>は部署ごと、管理職ごとに</a:t>
+            </a:r>
+            <a:r>
+              <a:rPr lang="ja-JP" altLang="en-US" sz="3200" dirty="0"/>
+              <a:t>設定</a:t>
+            </a:r>
+            <a:r>
+              <a:rPr lang="ja-JP" altLang="en-US" sz="3200" dirty="0" smtClean="0"/>
+              <a:t>されており、どちらかで操作権限があれば、該当する管理画面に遷移で</a:t>
+            </a:r>
+            <a:r>
+              <a:rPr lang="ja-JP" altLang="en-US" sz="3200" dirty="0"/>
+              <a:t>き</a:t>
+            </a:r>
+            <a:r>
+              <a:rPr lang="ja-JP" altLang="en-US" sz="3200" dirty="0" smtClean="0"/>
+              <a:t>る。</a:t>
+            </a:r>
+            <a:endParaRPr lang="en-US" altLang="ja-JP" sz="3200" dirty="0" smtClean="0"/>
+          </a:p>
+          <a:p>
+            <a:pPr marL="0" indent="0">
+              <a:buNone/>
+            </a:pPr>
+            <a:endParaRPr kumimoji="1" lang="ja-JP" altLang="en-US" sz="3600" dirty="0"/>
           </a:p>
         </p:txBody>
       </p:sp>
     </p:spTree>
     <p:extLst>
       <p:ext uri="{BB962C8B-B14F-4D97-AF65-F5344CB8AC3E}">
-        <p14:creationId xmlns:p14="http://schemas.microsoft.com/office/powerpoint/2010/main" val="2428626768"/>
+        <p14:creationId xmlns:p14="http://schemas.microsoft.com/office/powerpoint/2010/main" val="3856149143"/>
       </p:ext>
     </p:extLst>
   </p:cSld>
@@ -4671,7 +4816,7 @@
         </p:nvSpPr>
         <p:spPr>
           <a:xfrm>
-            <a:off x="1150205" y="1477106"/>
+            <a:off x="1150205" y="931983"/>
             <a:ext cx="9884141" cy="3560886"/>
           </a:xfrm>
         </p:spPr>
@@ -4725,17 +4870,85 @@
                 <a:latin typeface="メイリオ" panose="020B0604030504040204" pitchFamily="50" charset="-128"/>
                 <a:ea typeface="メイリオ" panose="020B0604030504040204" pitchFamily="50" charset="-128"/>
               </a:rPr>
-              <a:t>本販売</a:t>
+              <a:t>本販売在庫管理システム</a:t>
             </a:r>
             <a:r>
               <a:rPr kumimoji="1" lang="ja-JP" altLang="en-US" sz="3800" dirty="0" smtClean="0">
                 <a:solidFill>
-                  <a:srgbClr val="FFC000"/>
-                </a:solidFill>
-                <a:latin typeface="メイリオ" panose="020B0604030504040204" pitchFamily="50" charset="-128"/>
-                <a:ea typeface="メイリオ" panose="020B0604030504040204" pitchFamily="50" charset="-128"/>
-              </a:rPr>
-              <a:t>在庫管理システム</a:t>
+                  <a:schemeClr val="tx1"/>
+                </a:solidFill>
+                <a:latin typeface="メイリオ" panose="020B0604030504040204" pitchFamily="50" charset="-128"/>
+                <a:ea typeface="メイリオ" panose="020B0604030504040204" pitchFamily="50" charset="-128"/>
+              </a:rPr>
+              <a:t>）は、</a:t>
+            </a:r>
+            <a:r>
+              <a:rPr lang="ja-JP" altLang="en-US" sz="3800" dirty="0" smtClean="0">
+                <a:solidFill>
+                  <a:schemeClr val="tx1"/>
+                </a:solidFill>
+                <a:latin typeface="メイリオ" panose="020B0604030504040204" pitchFamily="50" charset="-128"/>
+                <a:ea typeface="メイリオ" panose="020B0604030504040204" pitchFamily="50" charset="-128"/>
+              </a:rPr>
+              <a:t>顧客から受注された商品の流通販売や</a:t>
+            </a:r>
+            <a:r>
+              <a:rPr lang="ja-JP" altLang="en-US" sz="3800" dirty="0" smtClean="0">
+                <a:latin typeface="メイリオ" panose="020B0604030504040204" pitchFamily="50" charset="-128"/>
+                <a:ea typeface="メイリオ" panose="020B0604030504040204" pitchFamily="50" charset="-128"/>
+              </a:rPr>
+              <a:t>仕入先</a:t>
+            </a:r>
+            <a:r>
+              <a:rPr lang="en-US" altLang="ja-JP" sz="3800" dirty="0" smtClean="0">
+                <a:latin typeface="メイリオ" panose="020B0604030504040204" pitchFamily="50" charset="-128"/>
+                <a:ea typeface="メイリオ" panose="020B0604030504040204" pitchFamily="50" charset="-128"/>
+              </a:rPr>
+              <a:t>(</a:t>
+            </a:r>
+            <a:r>
+              <a:rPr lang="ja-JP" altLang="en-US" sz="3800" dirty="0" smtClean="0">
+                <a:solidFill>
+                  <a:schemeClr val="tx1"/>
+                </a:solidFill>
+                <a:latin typeface="メイリオ" panose="020B0604030504040204" pitchFamily="50" charset="-128"/>
+                <a:ea typeface="メイリオ" panose="020B0604030504040204" pitchFamily="50" charset="-128"/>
+              </a:rPr>
+              <a:t>出版社</a:t>
+            </a:r>
+            <a:r>
+              <a:rPr lang="en-US" altLang="ja-JP" sz="3800" dirty="0" smtClean="0">
+                <a:solidFill>
+                  <a:schemeClr val="tx1"/>
+                </a:solidFill>
+                <a:latin typeface="メイリオ" panose="020B0604030504040204" pitchFamily="50" charset="-128"/>
+                <a:ea typeface="メイリオ" panose="020B0604030504040204" pitchFamily="50" charset="-128"/>
+              </a:rPr>
+              <a:t>)</a:t>
+            </a:r>
+            <a:r>
+              <a:rPr lang="ja-JP" altLang="en-US" sz="3800" dirty="0" smtClean="0">
+                <a:latin typeface="メイリオ" panose="020B0604030504040204" pitchFamily="50" charset="-128"/>
+                <a:ea typeface="メイリオ" panose="020B0604030504040204" pitchFamily="50" charset="-128"/>
+              </a:rPr>
+              <a:t>に対して商品</a:t>
+            </a:r>
+            <a:r>
+              <a:rPr lang="ja-JP" altLang="en-US" sz="3800" dirty="0" smtClean="0">
+                <a:solidFill>
+                  <a:schemeClr val="tx1"/>
+                </a:solidFill>
+                <a:latin typeface="メイリオ" panose="020B0604030504040204" pitchFamily="50" charset="-128"/>
+                <a:ea typeface="メイリオ" panose="020B0604030504040204" pitchFamily="50" charset="-128"/>
+              </a:rPr>
+              <a:t>の発注を行うなど、商品の販売、在庫を管理</a:t>
+            </a:r>
+            <a:r>
+              <a:rPr lang="ja-JP" altLang="en-US" sz="3800" dirty="0" smtClean="0">
+                <a:latin typeface="メイリオ" panose="020B0604030504040204" pitchFamily="50" charset="-128"/>
+                <a:ea typeface="メイリオ" panose="020B0604030504040204" pitchFamily="50" charset="-128"/>
+              </a:rPr>
+              <a:t>する</a:t>
             </a:r>
             <a:r>
               <a:rPr kumimoji="1" lang="ja-JP" altLang="en-US" sz="3800" dirty="0" smtClean="0">
@@ -4745,115 +4958,7 @@
                 <a:latin typeface="メイリオ" panose="020B0604030504040204" pitchFamily="50" charset="-128"/>
                 <a:ea typeface="メイリオ" panose="020B0604030504040204" pitchFamily="50" charset="-128"/>
               </a:rPr>
-              <a:t>）は</a:t>
-            </a:r>
-            <a:r>
-              <a:rPr kumimoji="1" lang="ja-JP" altLang="en-US" sz="3800" dirty="0" smtClean="0">
-                <a:solidFill>
-                  <a:schemeClr val="tx1"/>
-                </a:solidFill>
-                <a:latin typeface="メイリオ" panose="020B0604030504040204" pitchFamily="50" charset="-128"/>
-                <a:ea typeface="メイリオ" panose="020B0604030504040204" pitchFamily="50" charset="-128"/>
-              </a:rPr>
-              <a:t>、</a:t>
-            </a:r>
-            <a:r>
-              <a:rPr lang="ja-JP" altLang="en-US" sz="3800" dirty="0" smtClean="0">
-                <a:solidFill>
-                  <a:schemeClr val="tx1"/>
-                </a:solidFill>
-                <a:latin typeface="メイリオ" panose="020B0604030504040204" pitchFamily="50" charset="-128"/>
-                <a:ea typeface="メイリオ" panose="020B0604030504040204" pitchFamily="50" charset="-128"/>
-              </a:rPr>
-              <a:t>顧客から受注された商品の流通販売や</a:t>
-            </a:r>
-            <a:r>
-              <a:rPr lang="ja-JP" altLang="en-US" sz="3800" dirty="0" smtClean="0">
-                <a:latin typeface="メイリオ" panose="020B0604030504040204" pitchFamily="50" charset="-128"/>
-                <a:ea typeface="メイリオ" panose="020B0604030504040204" pitchFamily="50" charset="-128"/>
-              </a:rPr>
-              <a:t>仕入先</a:t>
-            </a:r>
-            <a:r>
-              <a:rPr lang="en-US" altLang="ja-JP" sz="3800" dirty="0" smtClean="0">
-                <a:latin typeface="メイリオ" panose="020B0604030504040204" pitchFamily="50" charset="-128"/>
-                <a:ea typeface="メイリオ" panose="020B0604030504040204" pitchFamily="50" charset="-128"/>
-              </a:rPr>
-              <a:t>(</a:t>
-            </a:r>
-            <a:r>
-              <a:rPr lang="ja-JP" altLang="en-US" sz="3800" dirty="0" smtClean="0">
-                <a:solidFill>
-                  <a:schemeClr val="tx1"/>
-                </a:solidFill>
-                <a:latin typeface="メイリオ" panose="020B0604030504040204" pitchFamily="50" charset="-128"/>
-                <a:ea typeface="メイリオ" panose="020B0604030504040204" pitchFamily="50" charset="-128"/>
-              </a:rPr>
-              <a:t>出版社</a:t>
-            </a:r>
-            <a:r>
-              <a:rPr lang="en-US" altLang="ja-JP" sz="3800" dirty="0" smtClean="0">
-                <a:solidFill>
-                  <a:schemeClr val="tx1"/>
-                </a:solidFill>
-                <a:latin typeface="メイリオ" panose="020B0604030504040204" pitchFamily="50" charset="-128"/>
-                <a:ea typeface="メイリオ" panose="020B0604030504040204" pitchFamily="50" charset="-128"/>
-              </a:rPr>
-              <a:t>)</a:t>
-            </a:r>
-            <a:r>
-              <a:rPr lang="ja-JP" altLang="en-US" sz="3800" dirty="0" smtClean="0">
-                <a:latin typeface="メイリオ" panose="020B0604030504040204" pitchFamily="50" charset="-128"/>
-                <a:ea typeface="メイリオ" panose="020B0604030504040204" pitchFamily="50" charset="-128"/>
-              </a:rPr>
-              <a:t>に対して商品</a:t>
-            </a:r>
-            <a:r>
-              <a:rPr lang="ja-JP" altLang="en-US" sz="3800" dirty="0" smtClean="0">
-                <a:solidFill>
-                  <a:schemeClr val="tx1"/>
-                </a:solidFill>
-                <a:latin typeface="メイリオ" panose="020B0604030504040204" pitchFamily="50" charset="-128"/>
-                <a:ea typeface="メイリオ" panose="020B0604030504040204" pitchFamily="50" charset="-128"/>
-              </a:rPr>
-              <a:t>の発注を行うなど、商品の販売、在庫を管理</a:t>
-            </a:r>
-            <a:r>
-              <a:rPr lang="ja-JP" altLang="en-US" sz="3800" dirty="0" smtClean="0">
-                <a:latin typeface="メイリオ" panose="020B0604030504040204" pitchFamily="50" charset="-128"/>
-                <a:ea typeface="メイリオ" panose="020B0604030504040204" pitchFamily="50" charset="-128"/>
-              </a:rPr>
-              <a:t>する</a:t>
-            </a:r>
-            <a:r>
-              <a:rPr kumimoji="1" lang="ja-JP" altLang="en-US" sz="3800" dirty="0" smtClean="0">
-                <a:solidFill>
-                  <a:schemeClr val="tx1"/>
-                </a:solidFill>
-                <a:latin typeface="メイリオ" panose="020B0604030504040204" pitchFamily="50" charset="-128"/>
-                <a:ea typeface="メイリオ" panose="020B0604030504040204" pitchFamily="50" charset="-128"/>
-              </a:rPr>
-              <a:t>システム</a:t>
-            </a:r>
-            <a:r>
-              <a:rPr kumimoji="1" lang="ja-JP" altLang="en-US" sz="3800" dirty="0" smtClean="0">
-                <a:solidFill>
-                  <a:schemeClr val="tx1"/>
-                </a:solidFill>
-                <a:latin typeface="メイリオ" panose="020B0604030504040204" pitchFamily="50" charset="-128"/>
-                <a:ea typeface="メイリオ" panose="020B0604030504040204" pitchFamily="50" charset="-128"/>
-              </a:rPr>
-              <a:t>です</a:t>
-            </a:r>
-            <a:r>
-              <a:rPr kumimoji="1" lang="ja-JP" altLang="en-US" sz="3800" dirty="0" smtClean="0">
-                <a:solidFill>
-                  <a:schemeClr val="tx1"/>
-                </a:solidFill>
-                <a:latin typeface="メイリオ" panose="020B0604030504040204" pitchFamily="50" charset="-128"/>
-                <a:ea typeface="メイリオ" panose="020B0604030504040204" pitchFamily="50" charset="-128"/>
-              </a:rPr>
-              <a:t>。</a:t>
+              <a:t>システムです。</a:t>
             </a:r>
             <a:endParaRPr lang="en-US" altLang="ja-JP" sz="3800" dirty="0" smtClean="0">
               <a:solidFill>
@@ -4890,7 +4995,7 @@
         </p:nvSpPr>
         <p:spPr>
           <a:xfrm>
-            <a:off x="1150205" y="5404218"/>
+            <a:off x="1150205" y="5263541"/>
             <a:ext cx="10547838" cy="1295522"/>
           </a:xfrm>
           <a:prstGeom prst="rect">
@@ -5052,6 +5157,970 @@
 </p:sld>
 </file>
 
+<file path=ppt/slides/slide20.xml><?xml version="1.0" encoding="utf-8"?>
+<p:sld xmlns:a="http://schemas.openxmlformats.org/drawingml/2006/main" xmlns:r="http://schemas.openxmlformats.org/officeDocument/2006/relationships" xmlns:p="http://schemas.openxmlformats.org/presentationml/2006/main">
+  <p:cSld>
+    <p:spTree>
+      <p:nvGrpSpPr>
+        <p:cNvPr id="1" name=""/>
+        <p:cNvGrpSpPr/>
+        <p:nvPr/>
+      </p:nvGrpSpPr>
+      <p:grpSpPr>
+        <a:xfrm>
+          <a:off x="0" y="0"/>
+          <a:ext cx="0" cy="0"/>
+          <a:chOff x="0" y="0"/>
+          <a:chExt cx="0" cy="0"/>
+        </a:xfrm>
+      </p:grpSpPr>
+      <p:sp>
+        <p:nvSpPr>
+          <p:cNvPr id="2" name="タイトル 1"/>
+          <p:cNvSpPr>
+            <a:spLocks noGrp="1"/>
+          </p:cNvSpPr>
+          <p:nvPr>
+            <p:ph type="title"/>
+          </p:nvPr>
+        </p:nvSpPr>
+        <p:spPr>
+          <a:xfrm>
+            <a:off x="434812" y="557170"/>
+            <a:ext cx="10643496" cy="1507067"/>
+          </a:xfrm>
+        </p:spPr>
+        <p:txBody>
+          <a:bodyPr anchor="ctr">
+            <a:normAutofit/>
+          </a:bodyPr>
+          <a:lstStyle/>
+          <a:p>
+            <a:r>
+              <a:rPr lang="ja-JP" altLang="en-US" sz="4800" dirty="0" smtClean="0"/>
+              <a:t>倉庫実在庫数が安全在庫</a:t>
+            </a:r>
+            <a:r>
+              <a:rPr lang="ja-JP" altLang="en-US" sz="4800" dirty="0"/>
+              <a:t>数</a:t>
+            </a:r>
+            <a:r>
+              <a:rPr lang="ja-JP" altLang="en-US" sz="4800" dirty="0" smtClean="0"/>
+              <a:t>を</a:t>
+            </a:r>
+            <a:r>
+              <a:rPr lang="ja-JP" altLang="en-US" sz="4800" dirty="0" smtClean="0"/>
+              <a:t>下回った</a:t>
+            </a:r>
+            <a:r>
+              <a:rPr lang="ja-JP" altLang="en-US" sz="4800" dirty="0" smtClean="0"/>
+              <a:t>際にホーム画面へ表示する機能</a:t>
+            </a:r>
+            <a:endParaRPr kumimoji="1" lang="ja-JP" altLang="en-US" sz="4800" dirty="0"/>
+          </a:p>
+        </p:txBody>
+      </p:sp>
+      <p:sp>
+        <p:nvSpPr>
+          <p:cNvPr id="3" name="コンテンツ プレースホルダー 2"/>
+          <p:cNvSpPr>
+            <a:spLocks noGrp="1"/>
+          </p:cNvSpPr>
+          <p:nvPr>
+            <p:ph idx="1"/>
+          </p:nvPr>
+        </p:nvSpPr>
+        <p:spPr>
+          <a:xfrm>
+            <a:off x="851267" y="2426677"/>
+            <a:ext cx="9527644" cy="3615267"/>
+          </a:xfrm>
+        </p:spPr>
+        <p:txBody>
+          <a:bodyPr anchor="t">
+            <a:normAutofit/>
+          </a:bodyPr>
+          <a:lstStyle/>
+          <a:p>
+            <a:pPr marL="0" indent="0">
+              <a:buNone/>
+            </a:pPr>
+            <a:r>
+              <a:rPr kumimoji="1" lang="ja-JP" altLang="en-US" sz="3200" dirty="0" smtClean="0"/>
+              <a:t>倉庫内のある商品の在庫が安全在庫数を下回った場合にホーム画面に表示し、</a:t>
+            </a:r>
+            <a:endParaRPr kumimoji="1" lang="en-US" altLang="ja-JP" sz="3200" dirty="0" smtClean="0"/>
+          </a:p>
+          <a:p>
+            <a:pPr marL="0" indent="0">
+              <a:buNone/>
+            </a:pPr>
+            <a:r>
+              <a:rPr kumimoji="1" lang="ja-JP" altLang="en-US" sz="3200" dirty="0" smtClean="0">
+                <a:solidFill>
+                  <a:srgbClr val="FF0000"/>
+                </a:solidFill>
+              </a:rPr>
+              <a:t>素早く</a:t>
+            </a:r>
+            <a:r>
+              <a:rPr kumimoji="1" lang="ja-JP" altLang="en-US" sz="3200" dirty="0" smtClean="0"/>
+              <a:t>在庫の減少を知らせる機能。</a:t>
+            </a:r>
+            <a:endParaRPr kumimoji="1" lang="en-US" altLang="ja-JP" sz="3200" dirty="0" smtClean="0"/>
+          </a:p>
+          <a:p>
+            <a:pPr marL="0" indent="0">
+              <a:buNone/>
+            </a:pPr>
+            <a:r>
+              <a:rPr lang="ja-JP" altLang="en-US" sz="3200" dirty="0" smtClean="0"/>
+              <a:t>　</a:t>
+            </a:r>
+            <a:r>
+              <a:rPr lang="ja-JP" altLang="en-US" dirty="0" smtClean="0"/>
+              <a:t>→</a:t>
+            </a:r>
+            <a:r>
+              <a:rPr kumimoji="1" lang="ja-JP" altLang="en-US" dirty="0" smtClean="0"/>
+              <a:t>在庫数の枯渇により出庫日数が伸びてしまう、という</a:t>
+            </a:r>
+            <a:endParaRPr kumimoji="1" lang="en-US" altLang="ja-JP" dirty="0" smtClean="0"/>
+          </a:p>
+          <a:p>
+            <a:pPr marL="0" indent="0">
+              <a:buNone/>
+            </a:pPr>
+            <a:r>
+              <a:rPr lang="ja-JP" altLang="en-US" dirty="0"/>
+              <a:t>　</a:t>
+            </a:r>
+            <a:r>
+              <a:rPr lang="ja-JP" altLang="en-US" dirty="0" smtClean="0"/>
+              <a:t>　</a:t>
+            </a:r>
+            <a:r>
+              <a:rPr kumimoji="1" lang="ja-JP" altLang="en-US" dirty="0" smtClean="0"/>
+              <a:t>事態を防ぐ目的</a:t>
+            </a:r>
+            <a:r>
+              <a:rPr kumimoji="1" lang="ja-JP" altLang="en-US" sz="3200" dirty="0" smtClean="0"/>
+              <a:t>。</a:t>
+            </a:r>
+            <a:endParaRPr kumimoji="1" lang="ja-JP" altLang="en-US" sz="3200" dirty="0"/>
+          </a:p>
+        </p:txBody>
+      </p:sp>
+    </p:spTree>
+    <p:extLst>
+      <p:ext uri="{BB962C8B-B14F-4D97-AF65-F5344CB8AC3E}">
+        <p14:creationId xmlns:p14="http://schemas.microsoft.com/office/powerpoint/2010/main" val="2757203990"/>
+      </p:ext>
+    </p:extLst>
+  </p:cSld>
+  <p:clrMapOvr>
+    <a:masterClrMapping/>
+  </p:clrMapOvr>
+  <p:timing>
+    <p:tnLst>
+      <p:par>
+        <p:cTn id="1" dur="indefinite" restart="never" nodeType="tmRoot"/>
+      </p:par>
+    </p:tnLst>
+  </p:timing>
+</p:sld>
+</file>
+
+<file path=ppt/slides/slide21.xml><?xml version="1.0" encoding="utf-8"?>
+<p:sld xmlns:a="http://schemas.openxmlformats.org/drawingml/2006/main" xmlns:r="http://schemas.openxmlformats.org/officeDocument/2006/relationships" xmlns:p="http://schemas.openxmlformats.org/presentationml/2006/main">
+  <p:cSld>
+    <p:spTree>
+      <p:nvGrpSpPr>
+        <p:cNvPr id="1" name=""/>
+        <p:cNvGrpSpPr/>
+        <p:nvPr/>
+      </p:nvGrpSpPr>
+      <p:grpSpPr>
+        <a:xfrm>
+          <a:off x="0" y="0"/>
+          <a:ext cx="0" cy="0"/>
+          <a:chOff x="0" y="0"/>
+          <a:chExt cx="0" cy="0"/>
+        </a:xfrm>
+      </p:grpSpPr>
+      <p:sp>
+        <p:nvSpPr>
+          <p:cNvPr id="7" name="タイトル 1"/>
+          <p:cNvSpPr txBox="1">
+            <a:spLocks/>
+          </p:cNvSpPr>
+          <p:nvPr/>
+        </p:nvSpPr>
+        <p:spPr>
+          <a:xfrm>
+            <a:off x="320512" y="275816"/>
+            <a:ext cx="9624766" cy="1507067"/>
+          </a:xfrm>
+          <a:prstGeom prst="rect">
+            <a:avLst/>
+          </a:prstGeom>
+        </p:spPr>
+        <p:txBody>
+          <a:bodyPr vert="horz" lIns="91440" tIns="45720" rIns="91440" bIns="45720" rtlCol="0" anchor="ctr">
+            <a:normAutofit/>
+          </a:bodyPr>
+          <a:lstStyle>
+            <a:lvl1pPr algn="ctr" defTabSz="914400" rtl="0" eaLnBrk="1" latinLnBrk="0" hangingPunct="1">
+              <a:lnSpc>
+                <a:spcPct val="90000"/>
+              </a:lnSpc>
+              <a:spcBef>
+                <a:spcPct val="0"/>
+              </a:spcBef>
+              <a:buNone/>
+              <a:defRPr kumimoji="1" sz="6000" kern="1200">
+                <a:solidFill>
+                  <a:schemeClr val="tx1"/>
+                </a:solidFill>
+                <a:latin typeface="メイリオ" panose="020B0604030504040204" pitchFamily="50" charset="-128"/>
+                <a:ea typeface="メイリオ" panose="020B0604030504040204" pitchFamily="50" charset="-128"/>
+                <a:cs typeface="+mj-cs"/>
+              </a:defRPr>
+            </a:lvl1pPr>
+          </a:lstStyle>
+          <a:p>
+            <a:pPr algn="l"/>
+            <a:r>
+              <a:rPr lang="ja-JP" altLang="en-US" sz="4800" dirty="0" smtClean="0"/>
+              <a:t>作成したもの</a:t>
+            </a:r>
+            <a:endParaRPr lang="ja-JP" altLang="en-US" sz="4800" dirty="0"/>
+          </a:p>
+        </p:txBody>
+      </p:sp>
+      <p:sp>
+        <p:nvSpPr>
+          <p:cNvPr id="8" name="コンテンツ プレースホルダー 2"/>
+          <p:cNvSpPr txBox="1">
+            <a:spLocks/>
+          </p:cNvSpPr>
+          <p:nvPr/>
+        </p:nvSpPr>
+        <p:spPr>
+          <a:xfrm>
+            <a:off x="833683" y="1782883"/>
+            <a:ext cx="9527644" cy="4528038"/>
+          </a:xfrm>
+          <a:prstGeom prst="rect">
+            <a:avLst/>
+          </a:prstGeom>
+        </p:spPr>
+        <p:txBody>
+          <a:bodyPr vert="horz" lIns="91440" tIns="45720" rIns="91440" bIns="45720" rtlCol="0" anchor="t">
+            <a:normAutofit lnSpcReduction="10000"/>
+          </a:bodyPr>
+          <a:lstStyle>
+            <a:lvl1pPr marL="0" indent="0" algn="ctr" defTabSz="914400" rtl="0" eaLnBrk="1" latinLnBrk="0" hangingPunct="1">
+              <a:lnSpc>
+                <a:spcPct val="90000"/>
+              </a:lnSpc>
+              <a:spcBef>
+                <a:spcPts val="1000"/>
+              </a:spcBef>
+              <a:buFont typeface="Arial" panose="020B0604020202020204" pitchFamily="34" charset="0"/>
+              <a:buNone/>
+              <a:defRPr kumimoji="1" sz="2400" kern="1200">
+                <a:solidFill>
+                  <a:schemeClr val="tx1"/>
+                </a:solidFill>
+                <a:latin typeface="メイリオ" panose="020B0604030504040204" pitchFamily="50" charset="-128"/>
+                <a:ea typeface="メイリオ" panose="020B0604030504040204" pitchFamily="50" charset="-128"/>
+                <a:cs typeface="+mn-cs"/>
+              </a:defRPr>
+            </a:lvl1pPr>
+            <a:lvl2pPr marL="457200" indent="0" algn="ctr" defTabSz="914400" rtl="0" eaLnBrk="1" latinLnBrk="0" hangingPunct="1">
+              <a:lnSpc>
+                <a:spcPct val="90000"/>
+              </a:lnSpc>
+              <a:spcBef>
+                <a:spcPts val="500"/>
+              </a:spcBef>
+              <a:buFont typeface="Arial" panose="020B0604020202020204" pitchFamily="34" charset="0"/>
+              <a:buNone/>
+              <a:defRPr kumimoji="1" sz="2000" kern="1200">
+                <a:solidFill>
+                  <a:schemeClr val="tx1"/>
+                </a:solidFill>
+                <a:latin typeface="メイリオ" panose="020B0604030504040204" pitchFamily="50" charset="-128"/>
+                <a:ea typeface="メイリオ" panose="020B0604030504040204" pitchFamily="50" charset="-128"/>
+                <a:cs typeface="+mn-cs"/>
+              </a:defRPr>
+            </a:lvl2pPr>
+            <a:lvl3pPr marL="914400" indent="0" algn="ctr" defTabSz="914400" rtl="0" eaLnBrk="1" latinLnBrk="0" hangingPunct="1">
+              <a:lnSpc>
+                <a:spcPct val="90000"/>
+              </a:lnSpc>
+              <a:spcBef>
+                <a:spcPts val="500"/>
+              </a:spcBef>
+              <a:buFont typeface="Arial" panose="020B0604020202020204" pitchFamily="34" charset="0"/>
+              <a:buNone/>
+              <a:defRPr kumimoji="1" sz="1800" kern="1200">
+                <a:solidFill>
+                  <a:schemeClr val="tx1"/>
+                </a:solidFill>
+                <a:latin typeface="メイリオ" panose="020B0604030504040204" pitchFamily="50" charset="-128"/>
+                <a:ea typeface="メイリオ" panose="020B0604030504040204" pitchFamily="50" charset="-128"/>
+                <a:cs typeface="+mn-cs"/>
+              </a:defRPr>
+            </a:lvl3pPr>
+            <a:lvl4pPr marL="1371600" indent="0" algn="ctr" defTabSz="914400" rtl="0" eaLnBrk="1" latinLnBrk="0" hangingPunct="1">
+              <a:lnSpc>
+                <a:spcPct val="90000"/>
+              </a:lnSpc>
+              <a:spcBef>
+                <a:spcPts val="500"/>
+              </a:spcBef>
+              <a:buFont typeface="Arial" panose="020B0604020202020204" pitchFamily="34" charset="0"/>
+              <a:buNone/>
+              <a:defRPr kumimoji="1" sz="1600" kern="1200">
+                <a:solidFill>
+                  <a:schemeClr val="tx1"/>
+                </a:solidFill>
+                <a:latin typeface="メイリオ" panose="020B0604030504040204" pitchFamily="50" charset="-128"/>
+                <a:ea typeface="メイリオ" panose="020B0604030504040204" pitchFamily="50" charset="-128"/>
+                <a:cs typeface="+mn-cs"/>
+              </a:defRPr>
+            </a:lvl4pPr>
+            <a:lvl5pPr marL="1828800" indent="0" algn="ctr" defTabSz="914400" rtl="0" eaLnBrk="1" latinLnBrk="0" hangingPunct="1">
+              <a:lnSpc>
+                <a:spcPct val="90000"/>
+              </a:lnSpc>
+              <a:spcBef>
+                <a:spcPts val="500"/>
+              </a:spcBef>
+              <a:buFont typeface="Arial" panose="020B0604020202020204" pitchFamily="34" charset="0"/>
+              <a:buNone/>
+              <a:defRPr kumimoji="1" sz="1600" kern="1200">
+                <a:solidFill>
+                  <a:schemeClr val="tx1"/>
+                </a:solidFill>
+                <a:latin typeface="メイリオ" panose="020B0604030504040204" pitchFamily="50" charset="-128"/>
+                <a:ea typeface="メイリオ" panose="020B0604030504040204" pitchFamily="50" charset="-128"/>
+                <a:cs typeface="+mn-cs"/>
+              </a:defRPr>
+            </a:lvl5pPr>
+            <a:lvl6pPr marL="2286000" indent="0" algn="ctr" defTabSz="914400" rtl="0" eaLnBrk="1" latinLnBrk="0" hangingPunct="1">
+              <a:lnSpc>
+                <a:spcPct val="90000"/>
+              </a:lnSpc>
+              <a:spcBef>
+                <a:spcPts val="500"/>
+              </a:spcBef>
+              <a:buFont typeface="Arial" panose="020B0604020202020204" pitchFamily="34" charset="0"/>
+              <a:buNone/>
+              <a:defRPr kumimoji="1" sz="1600" kern="1200">
+                <a:solidFill>
+                  <a:schemeClr val="tx1"/>
+                </a:solidFill>
+                <a:latin typeface="+mn-lt"/>
+                <a:ea typeface="+mn-ea"/>
+                <a:cs typeface="+mn-cs"/>
+              </a:defRPr>
+            </a:lvl6pPr>
+            <a:lvl7pPr marL="2743200" indent="0" algn="ctr" defTabSz="914400" rtl="0" eaLnBrk="1" latinLnBrk="0" hangingPunct="1">
+              <a:lnSpc>
+                <a:spcPct val="90000"/>
+              </a:lnSpc>
+              <a:spcBef>
+                <a:spcPts val="500"/>
+              </a:spcBef>
+              <a:buFont typeface="Arial" panose="020B0604020202020204" pitchFamily="34" charset="0"/>
+              <a:buNone/>
+              <a:defRPr kumimoji="1" sz="1600" kern="1200">
+                <a:solidFill>
+                  <a:schemeClr val="tx1"/>
+                </a:solidFill>
+                <a:latin typeface="+mn-lt"/>
+                <a:ea typeface="+mn-ea"/>
+                <a:cs typeface="+mn-cs"/>
+              </a:defRPr>
+            </a:lvl7pPr>
+            <a:lvl8pPr marL="3200400" indent="0" algn="ctr" defTabSz="914400" rtl="0" eaLnBrk="1" latinLnBrk="0" hangingPunct="1">
+              <a:lnSpc>
+                <a:spcPct val="90000"/>
+              </a:lnSpc>
+              <a:spcBef>
+                <a:spcPts val="500"/>
+              </a:spcBef>
+              <a:buFont typeface="Arial" panose="020B0604020202020204" pitchFamily="34" charset="0"/>
+              <a:buNone/>
+              <a:defRPr kumimoji="1" sz="1600" kern="1200">
+                <a:solidFill>
+                  <a:schemeClr val="tx1"/>
+                </a:solidFill>
+                <a:latin typeface="+mn-lt"/>
+                <a:ea typeface="+mn-ea"/>
+                <a:cs typeface="+mn-cs"/>
+              </a:defRPr>
+            </a:lvl8pPr>
+            <a:lvl9pPr marL="3657600" indent="0" algn="ctr" defTabSz="914400" rtl="0" eaLnBrk="1" latinLnBrk="0" hangingPunct="1">
+              <a:lnSpc>
+                <a:spcPct val="90000"/>
+              </a:lnSpc>
+              <a:spcBef>
+                <a:spcPts val="500"/>
+              </a:spcBef>
+              <a:buFont typeface="Arial" panose="020B0604020202020204" pitchFamily="34" charset="0"/>
+              <a:buNone/>
+              <a:defRPr kumimoji="1" sz="1600" kern="1200">
+                <a:solidFill>
+                  <a:schemeClr val="tx1"/>
+                </a:solidFill>
+                <a:latin typeface="+mn-lt"/>
+                <a:ea typeface="+mn-ea"/>
+                <a:cs typeface="+mn-cs"/>
+              </a:defRPr>
+            </a:lvl9pPr>
+          </a:lstStyle>
+          <a:p>
+            <a:pPr algn="l">
+              <a:lnSpc>
+                <a:spcPct val="100000"/>
+              </a:lnSpc>
+            </a:pPr>
+            <a:r>
+              <a:rPr lang="ja-JP" altLang="en-US" sz="3200" dirty="0" smtClean="0"/>
+              <a:t>現状分析調査表</a:t>
+            </a:r>
+            <a:r>
+              <a:rPr lang="en-US" altLang="ja-JP" sz="3200" dirty="0" smtClean="0"/>
+              <a:t>(</a:t>
+            </a:r>
+            <a:r>
+              <a:rPr lang="ja-JP" altLang="en-US" sz="3200" dirty="0" smtClean="0"/>
+              <a:t>要件定義</a:t>
+            </a:r>
+            <a:r>
+              <a:rPr lang="en-US" altLang="ja-JP" sz="3200" dirty="0" smtClean="0"/>
+              <a:t>,</a:t>
+            </a:r>
+            <a:r>
+              <a:rPr lang="ja-JP" altLang="en-US" sz="3200" dirty="0" smtClean="0"/>
+              <a:t>サブシステム仕様書</a:t>
+            </a:r>
+            <a:r>
+              <a:rPr lang="en-US" altLang="ja-JP" sz="3200" dirty="0" smtClean="0"/>
+              <a:t>)</a:t>
+            </a:r>
+          </a:p>
+          <a:p>
+            <a:pPr algn="l">
+              <a:lnSpc>
+                <a:spcPct val="100000"/>
+              </a:lnSpc>
+            </a:pPr>
+            <a:r>
+              <a:rPr lang="ja-JP" altLang="en-US" sz="3200" dirty="0" smtClean="0"/>
+              <a:t>画面レイアウト設計</a:t>
+            </a:r>
+            <a:endParaRPr lang="en-US" altLang="ja-JP" sz="3200" dirty="0" smtClean="0"/>
+          </a:p>
+          <a:p>
+            <a:pPr algn="l">
+              <a:lnSpc>
+                <a:spcPct val="100000"/>
+              </a:lnSpc>
+            </a:pPr>
+            <a:r>
+              <a:rPr lang="ja-JP" altLang="en-US" sz="3200" dirty="0" smtClean="0"/>
+              <a:t>画面仕様書</a:t>
+            </a:r>
+            <a:r>
+              <a:rPr lang="en-US" altLang="ja-JP" sz="3200" dirty="0" smtClean="0"/>
+              <a:t>(</a:t>
+            </a:r>
+            <a:r>
+              <a:rPr lang="ja-JP" altLang="en-US" sz="3200" dirty="0" smtClean="0"/>
+              <a:t>外部のみ</a:t>
+            </a:r>
+            <a:r>
+              <a:rPr lang="en-US" altLang="ja-JP" sz="3200" dirty="0" smtClean="0"/>
+              <a:t>)</a:t>
+            </a:r>
+          </a:p>
+          <a:p>
+            <a:pPr algn="l">
+              <a:lnSpc>
+                <a:spcPct val="100000"/>
+              </a:lnSpc>
+            </a:pPr>
+            <a:r>
+              <a:rPr lang="ja-JP" altLang="en-US" sz="3200" dirty="0" smtClean="0"/>
+              <a:t>画面</a:t>
+            </a:r>
+            <a:r>
+              <a:rPr lang="ja-JP" altLang="en-US" sz="3200" dirty="0"/>
+              <a:t>遷移図</a:t>
+            </a:r>
+            <a:endParaRPr lang="en-US" altLang="ja-JP" sz="3200" dirty="0" smtClean="0"/>
+          </a:p>
+          <a:p>
+            <a:pPr algn="l">
+              <a:lnSpc>
+                <a:spcPct val="100000"/>
+              </a:lnSpc>
+            </a:pPr>
+            <a:r>
+              <a:rPr lang="ja-JP" altLang="en-US" sz="3200" dirty="0" smtClean="0"/>
+              <a:t>全体</a:t>
+            </a:r>
+            <a:r>
+              <a:rPr lang="en-US" altLang="ja-JP" sz="3200" dirty="0" smtClean="0"/>
+              <a:t>DFD,</a:t>
+            </a:r>
+            <a:r>
+              <a:rPr lang="ja-JP" altLang="en-US" sz="3200" dirty="0" smtClean="0"/>
+              <a:t>機能別</a:t>
+            </a:r>
+            <a:r>
+              <a:rPr lang="en-US" altLang="ja-JP" sz="3200" dirty="0" smtClean="0"/>
+              <a:t>DFD</a:t>
+            </a:r>
+          </a:p>
+          <a:p>
+            <a:pPr algn="l">
+              <a:lnSpc>
+                <a:spcPct val="100000"/>
+              </a:lnSpc>
+            </a:pPr>
+            <a:r>
+              <a:rPr lang="en-US" altLang="ja-JP" sz="3200" dirty="0" smtClean="0"/>
+              <a:t>HIPO</a:t>
+            </a:r>
+          </a:p>
+          <a:p>
+            <a:pPr algn="l">
+              <a:lnSpc>
+                <a:spcPct val="100000"/>
+              </a:lnSpc>
+            </a:pPr>
+            <a:r>
+              <a:rPr lang="en-US" altLang="ja-JP" sz="3200" dirty="0" smtClean="0"/>
+              <a:t>E-R</a:t>
+            </a:r>
+            <a:r>
+              <a:rPr lang="ja-JP" altLang="en-US" sz="3200" dirty="0" smtClean="0"/>
+              <a:t>図</a:t>
+            </a:r>
+            <a:endParaRPr lang="en-US" altLang="ja-JP" sz="3200" dirty="0" smtClean="0"/>
+          </a:p>
+          <a:p>
+            <a:pPr algn="l">
+              <a:lnSpc>
+                <a:spcPct val="100000"/>
+              </a:lnSpc>
+            </a:pPr>
+            <a:r>
+              <a:rPr lang="ja-JP" altLang="en-US" sz="3200" dirty="0" smtClean="0"/>
+              <a:t>データベース仕様書</a:t>
+            </a:r>
+            <a:r>
+              <a:rPr lang="en-US" altLang="ja-JP" sz="3200" dirty="0" smtClean="0"/>
+              <a:t>(</a:t>
+            </a:r>
+            <a:r>
+              <a:rPr lang="ja-JP" altLang="en-US" sz="3200" dirty="0" smtClean="0"/>
+              <a:t>テーブル仕様書</a:t>
+            </a:r>
+            <a:r>
+              <a:rPr lang="en-US" altLang="ja-JP" sz="3200" dirty="0" smtClean="0"/>
+              <a:t>)</a:t>
+            </a:r>
+            <a:endParaRPr lang="ja-JP" altLang="en-US" sz="3200" dirty="0"/>
+          </a:p>
+        </p:txBody>
+      </p:sp>
+    </p:spTree>
+    <p:extLst>
+      <p:ext uri="{BB962C8B-B14F-4D97-AF65-F5344CB8AC3E}">
+        <p14:creationId xmlns:p14="http://schemas.microsoft.com/office/powerpoint/2010/main" val="1037959616"/>
+      </p:ext>
+    </p:extLst>
+  </p:cSld>
+  <p:clrMapOvr>
+    <a:masterClrMapping/>
+  </p:clrMapOvr>
+</p:sld>
+</file>
+
+<file path=ppt/slides/slide22.xml><?xml version="1.0" encoding="utf-8"?>
+<p:sld xmlns:a="http://schemas.openxmlformats.org/drawingml/2006/main" xmlns:r="http://schemas.openxmlformats.org/officeDocument/2006/relationships" xmlns:p="http://schemas.openxmlformats.org/presentationml/2006/main">
+  <p:cSld>
+    <p:spTree>
+      <p:nvGrpSpPr>
+        <p:cNvPr id="1" name=""/>
+        <p:cNvGrpSpPr/>
+        <p:nvPr/>
+      </p:nvGrpSpPr>
+      <p:grpSpPr>
+        <a:xfrm>
+          <a:off x="0" y="0"/>
+          <a:ext cx="0" cy="0"/>
+          <a:chOff x="0" y="0"/>
+          <a:chExt cx="0" cy="0"/>
+        </a:xfrm>
+      </p:grpSpPr>
+      <p:sp>
+        <p:nvSpPr>
+          <p:cNvPr id="4" name="タイトル 3"/>
+          <p:cNvSpPr>
+            <a:spLocks noGrp="1"/>
+          </p:cNvSpPr>
+          <p:nvPr>
+            <p:ph type="ctrTitle"/>
+          </p:nvPr>
+        </p:nvSpPr>
+        <p:spPr>
+          <a:xfrm>
+            <a:off x="1524000" y="1676279"/>
+            <a:ext cx="9144000" cy="2387600"/>
+          </a:xfrm>
+        </p:spPr>
+        <p:txBody>
+          <a:bodyPr/>
+          <a:lstStyle/>
+          <a:p>
+            <a:r>
+              <a:rPr lang="ja-JP" altLang="en-US" dirty="0" smtClean="0"/>
+              <a:t>作業</a:t>
+            </a:r>
+            <a:r>
+              <a:rPr lang="ja-JP" altLang="en-US" dirty="0"/>
+              <a:t>予定</a:t>
+            </a:r>
+            <a:endParaRPr kumimoji="1" lang="ja-JP" altLang="en-US" dirty="0"/>
+          </a:p>
+        </p:txBody>
+      </p:sp>
+    </p:spTree>
+    <p:extLst>
+      <p:ext uri="{BB962C8B-B14F-4D97-AF65-F5344CB8AC3E}">
+        <p14:creationId xmlns:p14="http://schemas.microsoft.com/office/powerpoint/2010/main" val="1414537199"/>
+      </p:ext>
+    </p:extLst>
+  </p:cSld>
+  <p:clrMapOvr>
+    <a:masterClrMapping/>
+  </p:clrMapOvr>
+</p:sld>
+</file>
+
+<file path=ppt/slides/slide23.xml><?xml version="1.0" encoding="utf-8"?>
+<p:sld xmlns:a="http://schemas.openxmlformats.org/drawingml/2006/main" xmlns:r="http://schemas.openxmlformats.org/officeDocument/2006/relationships" xmlns:p="http://schemas.openxmlformats.org/presentationml/2006/main">
+  <p:cSld>
+    <p:spTree>
+      <p:nvGrpSpPr>
+        <p:cNvPr id="1" name=""/>
+        <p:cNvGrpSpPr/>
+        <p:nvPr/>
+      </p:nvGrpSpPr>
+      <p:grpSpPr>
+        <a:xfrm>
+          <a:off x="0" y="0"/>
+          <a:ext cx="0" cy="0"/>
+          <a:chOff x="0" y="0"/>
+          <a:chExt cx="0" cy="0"/>
+        </a:xfrm>
+      </p:grpSpPr>
+      <p:sp>
+        <p:nvSpPr>
+          <p:cNvPr id="2" name="タイトル 1"/>
+          <p:cNvSpPr>
+            <a:spLocks noGrp="1"/>
+          </p:cNvSpPr>
+          <p:nvPr>
+            <p:ph type="title"/>
+          </p:nvPr>
+        </p:nvSpPr>
+        <p:spPr>
+          <a:xfrm>
+            <a:off x="860059" y="826479"/>
+            <a:ext cx="2859087" cy="975946"/>
+          </a:xfrm>
+        </p:spPr>
+        <p:txBody>
+          <a:bodyPr anchor="ctr">
+            <a:normAutofit/>
+          </a:bodyPr>
+          <a:lstStyle/>
+          <a:p>
+            <a:r>
+              <a:rPr lang="ja-JP" altLang="en-US" dirty="0" smtClean="0"/>
+              <a:t>開発環境</a:t>
+            </a:r>
+            <a:endParaRPr kumimoji="1" lang="ja-JP" altLang="en-US" dirty="0"/>
+          </a:p>
+        </p:txBody>
+      </p:sp>
+      <p:sp>
+        <p:nvSpPr>
+          <p:cNvPr id="3" name="コンテンツ プレースホルダー 2"/>
+          <p:cNvSpPr>
+            <a:spLocks noGrp="1"/>
+          </p:cNvSpPr>
+          <p:nvPr>
+            <p:ph idx="1"/>
+          </p:nvPr>
+        </p:nvSpPr>
+        <p:spPr>
+          <a:xfrm>
+            <a:off x="394066" y="2716825"/>
+            <a:ext cx="11976710" cy="3615267"/>
+          </a:xfrm>
+        </p:spPr>
+        <p:txBody>
+          <a:bodyPr anchor="t">
+            <a:normAutofit/>
+          </a:bodyPr>
+          <a:lstStyle/>
+          <a:p>
+            <a:pPr marL="0" indent="0">
+              <a:buNone/>
+            </a:pPr>
+            <a:r>
+              <a:rPr kumimoji="1" lang="en-US" altLang="ja-JP" sz="3600" dirty="0" smtClean="0"/>
+              <a:t>	</a:t>
+            </a:r>
+            <a:r>
+              <a:rPr lang="en-US" altLang="ja-JP" sz="3600" dirty="0" smtClean="0"/>
+              <a:t>	   </a:t>
+            </a:r>
+            <a:r>
+              <a:rPr lang="en-US" altLang="ja-JP" sz="800" dirty="0" smtClean="0"/>
+              <a:t>   </a:t>
+            </a:r>
+            <a:r>
+              <a:rPr lang="en-US" altLang="ja-JP" sz="3600" dirty="0" smtClean="0"/>
+              <a:t> </a:t>
+            </a:r>
+            <a:r>
+              <a:rPr kumimoji="1" lang="en-US" altLang="ja-JP" sz="3600" dirty="0" smtClean="0"/>
+              <a:t>OS</a:t>
+            </a:r>
+            <a:r>
+              <a:rPr lang="en-US" altLang="ja-JP" sz="3600" dirty="0" smtClean="0"/>
+              <a:t>: 		</a:t>
+            </a:r>
+            <a:r>
+              <a:rPr kumimoji="1" lang="en-US" altLang="ja-JP" sz="3600" dirty="0" smtClean="0"/>
+              <a:t>Windows10 Education 64bit</a:t>
+            </a:r>
+          </a:p>
+          <a:p>
+            <a:pPr marL="0" indent="0">
+              <a:buNone/>
+            </a:pPr>
+            <a:r>
+              <a:rPr lang="en-US" altLang="ja-JP" sz="3600" dirty="0" smtClean="0"/>
+              <a:t>	</a:t>
+            </a:r>
+            <a:r>
+              <a:rPr lang="ja-JP" altLang="en-US" sz="3600" dirty="0" smtClean="0"/>
+              <a:t>プロセッサ</a:t>
+            </a:r>
+            <a:r>
+              <a:rPr lang="en-US" altLang="ja-JP" sz="3600" dirty="0" smtClean="0"/>
+              <a:t>:		Intel®Core™i7-8650U							@1.90GHz 2.11GHz</a:t>
+            </a:r>
+          </a:p>
+          <a:p>
+            <a:pPr marL="0" indent="0">
+              <a:buNone/>
+            </a:pPr>
+            <a:r>
+              <a:rPr kumimoji="1" lang="en-US" altLang="ja-JP" sz="3600" dirty="0" smtClean="0"/>
+              <a:t>		   </a:t>
+            </a:r>
+            <a:r>
+              <a:rPr kumimoji="1" lang="ja-JP" altLang="en-US" sz="3600" dirty="0" smtClean="0"/>
+              <a:t>言語</a:t>
+            </a:r>
+            <a:r>
+              <a:rPr kumimoji="1" lang="en-US" altLang="ja-JP" sz="3600" dirty="0" smtClean="0"/>
+              <a:t>:		</a:t>
+            </a:r>
+            <a:r>
+              <a:rPr lang="ja-JP" altLang="ja-JP" sz="3600" dirty="0" smtClean="0"/>
+              <a:t>Microsoft </a:t>
+            </a:r>
+            <a:r>
+              <a:rPr lang="ja-JP" altLang="ja-JP" sz="3600" dirty="0"/>
+              <a:t>Visual C Sharp</a:t>
+            </a:r>
+          </a:p>
+          <a:p>
+            <a:pPr marL="0" indent="0">
+              <a:buNone/>
+            </a:pPr>
+            <a:r>
+              <a:rPr lang="en-US" altLang="ja-JP" sz="3600" dirty="0"/>
+              <a:t>	</a:t>
+            </a:r>
+            <a:r>
+              <a:rPr lang="en-US" altLang="ja-JP" sz="3600" dirty="0" smtClean="0"/>
+              <a:t>	  </a:t>
+            </a:r>
+            <a:r>
+              <a:rPr lang="en-US" altLang="ja-JP" sz="3200" dirty="0" smtClean="0"/>
+              <a:t>   </a:t>
+            </a:r>
+            <a:r>
+              <a:rPr kumimoji="1" lang="en-US" altLang="ja-JP" sz="3600" dirty="0" smtClean="0"/>
+              <a:t>DB</a:t>
+            </a:r>
+            <a:r>
+              <a:rPr lang="en-US" altLang="ja-JP" sz="3600" dirty="0" smtClean="0"/>
+              <a:t>:		</a:t>
+            </a:r>
+            <a:r>
+              <a:rPr kumimoji="1" lang="en-US" altLang="ja-JP" sz="3600" dirty="0" smtClean="0"/>
+              <a:t>Microsoft</a:t>
+            </a:r>
+            <a:r>
+              <a:rPr kumimoji="1" lang="ja-JP" altLang="en-US" sz="3600" dirty="0" smtClean="0"/>
+              <a:t> </a:t>
+            </a:r>
+            <a:r>
+              <a:rPr kumimoji="1" lang="en-US" altLang="ja-JP" sz="3600" dirty="0" smtClean="0"/>
+              <a:t>Access 2016</a:t>
+            </a:r>
+          </a:p>
+          <a:p>
+            <a:pPr marL="0" indent="0">
+              <a:buNone/>
+            </a:pPr>
+            <a:r>
+              <a:rPr lang="ja-JP" altLang="en-US" sz="3600" dirty="0" smtClean="0"/>
+              <a:t>バージョン管理</a:t>
+            </a:r>
+            <a:r>
+              <a:rPr lang="en-US" altLang="ja-JP" sz="3600" dirty="0" smtClean="0"/>
+              <a:t>:		GitHub</a:t>
+            </a:r>
+            <a:endParaRPr kumimoji="1" lang="en-US" altLang="ja-JP" sz="3600" dirty="0" smtClean="0"/>
+          </a:p>
+          <a:p>
+            <a:pPr marL="0" indent="0">
+              <a:buNone/>
+            </a:pPr>
+            <a:endParaRPr kumimoji="1" lang="ja-JP" altLang="en-US" sz="3600" dirty="0"/>
+          </a:p>
+        </p:txBody>
+      </p:sp>
+    </p:spTree>
+    <p:extLst>
+      <p:ext uri="{BB962C8B-B14F-4D97-AF65-F5344CB8AC3E}">
+        <p14:creationId xmlns:p14="http://schemas.microsoft.com/office/powerpoint/2010/main" val="298907181"/>
+      </p:ext>
+    </p:extLst>
+  </p:cSld>
+  <p:clrMapOvr>
+    <a:masterClrMapping/>
+  </p:clrMapOvr>
+  <p:timing>
+    <p:tnLst>
+      <p:par>
+        <p:cTn id="1" dur="indefinite" restart="never" nodeType="tmRoot"/>
+      </p:par>
+    </p:tnLst>
+  </p:timing>
+</p:sld>
+</file>
+
+<file path=ppt/slides/slide24.xml><?xml version="1.0" encoding="utf-8"?>
+<p:sld xmlns:a="http://schemas.openxmlformats.org/drawingml/2006/main" xmlns:r="http://schemas.openxmlformats.org/officeDocument/2006/relationships" xmlns:p="http://schemas.openxmlformats.org/presentationml/2006/main">
+  <p:cSld>
+    <p:spTree>
+      <p:nvGrpSpPr>
+        <p:cNvPr id="1" name=""/>
+        <p:cNvGrpSpPr/>
+        <p:nvPr/>
+      </p:nvGrpSpPr>
+      <p:grpSpPr>
+        <a:xfrm>
+          <a:off x="0" y="0"/>
+          <a:ext cx="0" cy="0"/>
+          <a:chOff x="0" y="0"/>
+          <a:chExt cx="0" cy="0"/>
+        </a:xfrm>
+      </p:grpSpPr>
+      <p:sp>
+        <p:nvSpPr>
+          <p:cNvPr id="2" name="タイトル 1"/>
+          <p:cNvSpPr>
+            <a:spLocks noGrp="1"/>
+          </p:cNvSpPr>
+          <p:nvPr>
+            <p:ph type="title"/>
+          </p:nvPr>
+        </p:nvSpPr>
+        <p:spPr>
+          <a:xfrm>
+            <a:off x="1097451" y="2464903"/>
+            <a:ext cx="9905998" cy="1478570"/>
+          </a:xfrm>
+        </p:spPr>
+        <p:txBody>
+          <a:bodyPr>
+            <a:normAutofit fontScale="90000"/>
+          </a:bodyPr>
+          <a:lstStyle/>
+          <a:p>
+            <a:pPr algn="ctr"/>
+            <a:r>
+              <a:rPr kumimoji="1" lang="ja-JP" altLang="en-US" sz="5400" dirty="0" smtClean="0"/>
+              <a:t>以上です。</a:t>
+            </a:r>
+            <a:r>
+              <a:rPr kumimoji="1" lang="en-US" altLang="ja-JP" sz="5400" dirty="0" smtClean="0"/>
+              <a:t/>
+            </a:r>
+            <a:br>
+              <a:rPr kumimoji="1" lang="en-US" altLang="ja-JP" sz="5400" dirty="0" smtClean="0"/>
+            </a:br>
+            <a:r>
+              <a:rPr kumimoji="1" lang="ja-JP" altLang="en-US" sz="5400" dirty="0" smtClean="0"/>
+              <a:t>ご清聴</a:t>
+            </a:r>
+            <a:r>
+              <a:rPr kumimoji="1" lang="ja-JP" altLang="en-US" sz="5400" dirty="0" smtClean="0"/>
+              <a:t>ありがとうございました。</a:t>
+            </a:r>
+            <a:endParaRPr kumimoji="1" lang="ja-JP" altLang="en-US" sz="5400" dirty="0"/>
+          </a:p>
+        </p:txBody>
+      </p:sp>
+    </p:spTree>
+    <p:extLst>
+      <p:ext uri="{BB962C8B-B14F-4D97-AF65-F5344CB8AC3E}">
+        <p14:creationId xmlns:p14="http://schemas.microsoft.com/office/powerpoint/2010/main" val="2428626768"/>
+      </p:ext>
+    </p:extLst>
+  </p:cSld>
+  <p:clrMapOvr>
+    <a:masterClrMapping/>
+  </p:clrMapOvr>
+  <p:timing>
+    <p:tnLst>
+      <p:par>
+        <p:cTn id="1" dur="indefinite" restart="never" nodeType="tmRoot"/>
+      </p:par>
+    </p:tnLst>
+  </p:timing>
+</p:sld>
+</file>
+
 <file path=ppt/slides/slide3.xml><?xml version="1.0" encoding="utf-8"?>
 <p:sld xmlns:a="http://schemas.openxmlformats.org/drawingml/2006/main" xmlns:r="http://schemas.openxmlformats.org/officeDocument/2006/relationships" xmlns:p="http://schemas.openxmlformats.org/presentationml/2006/main">
   <p:cSld>
@@ -5222,17 +6291,7 @@
                 <a:latin typeface="メイリオ" panose="020B0604030504040204" pitchFamily="50" charset="-128"/>
                 <a:ea typeface="メイリオ" panose="020B0604030504040204" pitchFamily="50" charset="-128"/>
               </a:rPr>
-              <a:t>在庫</a:t>
-            </a:r>
-            <a:r>
-              <a:rPr lang="ja-JP" altLang="en-US" sz="4000" dirty="0" smtClean="0">
-                <a:solidFill>
-                  <a:schemeClr val="tx1"/>
-                </a:solidFill>
-                <a:latin typeface="メイリオ" panose="020B0604030504040204" pitchFamily="50" charset="-128"/>
-                <a:ea typeface="メイリオ" panose="020B0604030504040204" pitchFamily="50" charset="-128"/>
-              </a:rPr>
-              <a:t>管理</a:t>
+              <a:t>在庫管理</a:t>
             </a:r>
             <a:endParaRPr lang="en-US" altLang="ja-JP" sz="4000" dirty="0" smtClean="0">
               <a:solidFill>
@@ -5642,21 +6701,22 @@
       </p:grpSpPr>
       <p:pic>
         <p:nvPicPr>
-          <p:cNvPr id="3" name="図 2"/>
+          <p:cNvPr id="4" name="図 3"/>
           <p:cNvPicPr>
             <a:picLocks noChangeAspect="1"/>
           </p:cNvPicPr>
           <p:nvPr/>
         </p:nvPicPr>
-        <p:blipFill rotWithShape="1">
+        <p:blipFill>
           <a:blip r:embed="rId2"/>
-          <a:srcRect l="29509" t="21993" r="21815" b="18430"/>
-          <a:stretch/>
+          <a:stretch>
+            <a:fillRect/>
+          </a:stretch>
         </p:blipFill>
         <p:spPr>
           <a:xfrm>
-            <a:off x="735842" y="189809"/>
-            <a:ext cx="9970517" cy="6546604"/>
+            <a:off x="-166804" y="492369"/>
+            <a:ext cx="12358804" cy="6365631"/>
           </a:xfrm>
           <a:prstGeom prst="rect">
             <a:avLst/>
@@ -5671,7 +6731,7 @@
         </p:nvSpPr>
         <p:spPr>
           <a:xfrm>
-            <a:off x="9790493" y="1224353"/>
+            <a:off x="9324501" y="1224353"/>
             <a:ext cx="2804745" cy="707886"/>
           </a:xfrm>
           <a:prstGeom prst="rect">
@@ -5687,30 +6747,26 @@
           <a:p>
             <a:pPr algn="ctr"/>
             <a:r>
+              <a:rPr kumimoji="1" lang="ja-JP" altLang="en-US" sz="4000" dirty="0" smtClean="0">
+                <a:latin typeface="メイリオ" panose="020B0604030504040204" pitchFamily="50" charset="-128"/>
+                <a:ea typeface="メイリオ" panose="020B0604030504040204" pitchFamily="50" charset="-128"/>
+              </a:rPr>
+              <a:t>全体</a:t>
+            </a:r>
+            <a:r>
               <a:rPr kumimoji="1" lang="en-US" altLang="ja-JP" sz="4000" dirty="0" smtClean="0">
                 <a:latin typeface="メイリオ" panose="020B0604030504040204" pitchFamily="50" charset="-128"/>
                 <a:ea typeface="メイリオ" panose="020B0604030504040204" pitchFamily="50" charset="-128"/>
               </a:rPr>
-              <a:t>ER</a:t>
-            </a:r>
-            <a:r>
-              <a:rPr kumimoji="1" lang="ja-JP" altLang="en-US" sz="4000" dirty="0" smtClean="0">
-                <a:latin typeface="メイリオ" panose="020B0604030504040204" pitchFamily="50" charset="-128"/>
-                <a:ea typeface="メイリオ" panose="020B0604030504040204" pitchFamily="50" charset="-128"/>
-              </a:rPr>
-              <a:t>図</a:t>
-            </a:r>
-            <a:endParaRPr kumimoji="1" lang="en-US" altLang="ja-JP" sz="4000" dirty="0" smtClean="0">
-              <a:latin typeface="メイリオ" panose="020B0604030504040204" pitchFamily="50" charset="-128"/>
-              <a:ea typeface="メイリオ" panose="020B0604030504040204" pitchFamily="50" charset="-128"/>
-            </a:endParaRPr>
+              <a:t>DFD</a:t>
+            </a:r>
           </a:p>
         </p:txBody>
       </p:sp>
     </p:spTree>
     <p:extLst>
       <p:ext uri="{BB962C8B-B14F-4D97-AF65-F5344CB8AC3E}">
-        <p14:creationId xmlns:p14="http://schemas.microsoft.com/office/powerpoint/2010/main" val="3033607419"/>
+        <p14:creationId xmlns:p14="http://schemas.microsoft.com/office/powerpoint/2010/main" val="2053516219"/>
       </p:ext>
     </p:extLst>
   </p:cSld>
@@ -5752,16 +6808,15 @@
           </p:cNvPicPr>
           <p:nvPr/>
         </p:nvPicPr>
-        <p:blipFill>
+        <p:blipFill rotWithShape="1">
           <a:blip r:embed="rId2"/>
-          <a:stretch>
-            <a:fillRect/>
-          </a:stretch>
+          <a:srcRect l="22060" t="24733" r="13431" b="6735"/>
+          <a:stretch/>
         </p:blipFill>
         <p:spPr>
           <a:xfrm>
-            <a:off x="262819" y="788377"/>
-            <a:ext cx="11784108" cy="6069623"/>
+            <a:off x="0" y="105227"/>
+            <a:ext cx="11848867" cy="6752773"/>
           </a:xfrm>
           <a:prstGeom prst="rect">
             <a:avLst/>
@@ -5770,7 +6825,7 @@
       </p:pic>
       <p:sp>
         <p:nvSpPr>
-          <p:cNvPr id="7" name="テキスト ボックス 6"/>
+          <p:cNvPr id="5" name="テキスト ボックス 4"/>
           <p:cNvSpPr txBox="1"/>
           <p:nvPr/>
         </p:nvSpPr>
@@ -5796,35 +6851,25 @@
                 <a:latin typeface="メイリオ" panose="020B0604030504040204" pitchFamily="50" charset="-128"/>
                 <a:ea typeface="メイリオ" panose="020B0604030504040204" pitchFamily="50" charset="-128"/>
               </a:rPr>
-              <a:t>全体</a:t>
-            </a:r>
-            <a:r>
-              <a:rPr kumimoji="1" lang="en-US" altLang="ja-JP" sz="4000" dirty="0" smtClean="0">
-                <a:latin typeface="メイリオ" panose="020B0604030504040204" pitchFamily="50" charset="-128"/>
-                <a:ea typeface="メイリオ" panose="020B0604030504040204" pitchFamily="50" charset="-128"/>
-              </a:rPr>
-              <a:t>DFD</a:t>
-            </a:r>
+              <a:t>画面遷移図</a:t>
+            </a:r>
+            <a:endParaRPr kumimoji="1" lang="en-US" altLang="ja-JP" sz="4000" dirty="0" smtClean="0">
+              <a:latin typeface="メイリオ" panose="020B0604030504040204" pitchFamily="50" charset="-128"/>
+              <a:ea typeface="メイリオ" panose="020B0604030504040204" pitchFamily="50" charset="-128"/>
+            </a:endParaRPr>
           </a:p>
         </p:txBody>
       </p:sp>
     </p:spTree>
     <p:extLst>
       <p:ext uri="{BB962C8B-B14F-4D97-AF65-F5344CB8AC3E}">
-        <p14:creationId xmlns:p14="http://schemas.microsoft.com/office/powerpoint/2010/main" val="2053516219"/>
+        <p14:creationId xmlns:p14="http://schemas.microsoft.com/office/powerpoint/2010/main" val="3276367873"/>
       </p:ext>
     </p:extLst>
   </p:cSld>
   <p:clrMapOvr>
     <a:masterClrMapping/>
   </p:clrMapOvr>
-  <p:timing>
-    <p:tnLst>
-      <p:par>
-        <p:cTn id="1" dur="indefinite" restart="never" nodeType="tmRoot"/>
-      </p:par>
-    </p:tnLst>
-  </p:timing>
 </p:sld>
 </file>
 
@@ -5853,15 +6898,22 @@
           </p:cNvPicPr>
           <p:nvPr/>
         </p:nvPicPr>
-        <p:blipFill rotWithShape="1">
-          <a:blip r:embed="rId2"/>
-          <a:srcRect l="24853" t="32684" r="28823" b="25739"/>
-          <a:stretch/>
+        <p:blipFill>
+          <a:blip r:embed="rId2">
+            <a:extLst>
+              <a:ext uri="{28A0092B-C50C-407E-A947-70E740481C1C}">
+                <a14:useLocalDpi xmlns:a14="http://schemas.microsoft.com/office/drawing/2010/main" val="0"/>
+              </a:ext>
+            </a:extLst>
+          </a:blip>
+          <a:stretch>
+            <a:fillRect/>
+          </a:stretch>
         </p:blipFill>
         <p:spPr>
           <a:xfrm>
-            <a:off x="635672" y="984739"/>
-            <a:ext cx="11352899" cy="5466212"/>
+            <a:off x="474785" y="4788"/>
+            <a:ext cx="10932752" cy="6659781"/>
           </a:xfrm>
           <a:prstGeom prst="rect">
             <a:avLst/>
@@ -5870,14 +6922,14 @@
       </p:pic>
       <p:sp>
         <p:nvSpPr>
-          <p:cNvPr id="6" name="テキスト ボックス 5"/>
+          <p:cNvPr id="5" name="テキスト ボックス 4"/>
           <p:cNvSpPr txBox="1"/>
           <p:nvPr/>
         </p:nvSpPr>
         <p:spPr>
           <a:xfrm>
-            <a:off x="9324501" y="1224353"/>
-            <a:ext cx="2804745" cy="707886"/>
+            <a:off x="8493369" y="1224353"/>
+            <a:ext cx="3635877" cy="707886"/>
           </a:xfrm>
           <a:prstGeom prst="rect">
             <a:avLst/>
@@ -5896,9 +6948,16 @@
                 <a:latin typeface="メイリオ" panose="020B0604030504040204" pitchFamily="50" charset="-128"/>
                 <a:ea typeface="メイリオ" panose="020B0604030504040204" pitchFamily="50" charset="-128"/>
               </a:rPr>
-              <a:t>権限管理</a:t>
-            </a:r>
-            <a:endParaRPr kumimoji="1" lang="ja-JP" altLang="en-US" sz="4000" dirty="0">
+              <a:t>ログイン</a:t>
+            </a:r>
+            <a:r>
+              <a:rPr kumimoji="1" lang="ja-JP" altLang="en-US" sz="4000" dirty="0">
+                <a:latin typeface="メイリオ" panose="020B0604030504040204" pitchFamily="50" charset="-128"/>
+                <a:ea typeface="メイリオ" panose="020B0604030504040204" pitchFamily="50" charset="-128"/>
+              </a:rPr>
+              <a:t>画面</a:t>
+            </a:r>
+            <a:endParaRPr kumimoji="1" lang="en-US" altLang="ja-JP" sz="4000" dirty="0" smtClean="0">
               <a:latin typeface="メイリオ" panose="020B0604030504040204" pitchFamily="50" charset="-128"/>
               <a:ea typeface="メイリオ" panose="020B0604030504040204" pitchFamily="50" charset="-128"/>
             </a:endParaRPr>
@@ -5908,20 +6967,13 @@
     </p:spTree>
     <p:extLst>
       <p:ext uri="{BB962C8B-B14F-4D97-AF65-F5344CB8AC3E}">
-        <p14:creationId xmlns:p14="http://schemas.microsoft.com/office/powerpoint/2010/main" val="3448089979"/>
+        <p14:creationId xmlns:p14="http://schemas.microsoft.com/office/powerpoint/2010/main" val="2715614074"/>
       </p:ext>
     </p:extLst>
   </p:cSld>
   <p:clrMapOvr>
     <a:masterClrMapping/>
   </p:clrMapOvr>
-  <p:timing>
-    <p:tnLst>
-      <p:par>
-        <p:cTn id="1" dur="indefinite" restart="never" nodeType="tmRoot"/>
-      </p:par>
-    </p:tnLst>
-  </p:timing>
 </p:sld>
 </file>
 
@@ -5942,9 +6994,32 @@
           <a:chExt cx="0" cy="0"/>
         </a:xfrm>
       </p:grpSpPr>
-      <p:sp>
-        <p:nvSpPr>
-          <p:cNvPr id="4" name="テキスト ボックス 3"/>
+      <p:pic>
+        <p:nvPicPr>
+          <p:cNvPr id="2" name="図 1"/>
+          <p:cNvPicPr>
+            <a:picLocks noChangeAspect="1"/>
+          </p:cNvPicPr>
+          <p:nvPr/>
+        </p:nvPicPr>
+        <p:blipFill rotWithShape="1">
+          <a:blip r:embed="rId2"/>
+          <a:srcRect l="18284" t="39774" r="41128" b="32356"/>
+          <a:stretch/>
+        </p:blipFill>
+        <p:spPr>
+          <a:xfrm>
+            <a:off x="652027" y="1428827"/>
+            <a:ext cx="11477219" cy="4227721"/>
+          </a:xfrm>
+          <a:prstGeom prst="rect">
+            <a:avLst/>
+          </a:prstGeom>
+        </p:spPr>
+      </p:pic>
+      <p:sp>
+        <p:nvSpPr>
+          <p:cNvPr id="6" name="テキスト ボックス 5"/>
           <p:cNvSpPr txBox="1"/>
           <p:nvPr/>
         </p:nvSpPr>
@@ -5970,7 +7045,7 @@
                 <a:latin typeface="メイリオ" panose="020B0604030504040204" pitchFamily="50" charset="-128"/>
                 <a:ea typeface="メイリオ" panose="020B0604030504040204" pitchFamily="50" charset="-128"/>
               </a:rPr>
-              <a:t>商品管理</a:t>
+              <a:t>権限管理</a:t>
             </a:r>
             <a:endParaRPr kumimoji="1" lang="ja-JP" altLang="en-US" sz="4000" dirty="0">
               <a:latin typeface="メイリオ" panose="020B0604030504040204" pitchFamily="50" charset="-128"/>
@@ -5979,33 +7054,10 @@
           </a:p>
         </p:txBody>
       </p:sp>
-      <p:pic>
-        <p:nvPicPr>
-          <p:cNvPr id="5" name="図 4"/>
-          <p:cNvPicPr>
-            <a:picLocks noChangeAspect="1"/>
-          </p:cNvPicPr>
-          <p:nvPr/>
-        </p:nvPicPr>
-        <p:blipFill rotWithShape="1">
-          <a:blip r:embed="rId2"/>
-          <a:srcRect l="35280" t="33325" r="29235" b="25738"/>
-          <a:stretch/>
-        </p:blipFill>
-        <p:spPr>
-          <a:xfrm>
-            <a:off x="1195755" y="845642"/>
-            <a:ext cx="8257010" cy="5384484"/>
-          </a:xfrm>
-          <a:prstGeom prst="rect">
-            <a:avLst/>
-          </a:prstGeom>
-        </p:spPr>
-      </p:pic>
     </p:spTree>
     <p:extLst>
       <p:ext uri="{BB962C8B-B14F-4D97-AF65-F5344CB8AC3E}">
-        <p14:creationId xmlns:p14="http://schemas.microsoft.com/office/powerpoint/2010/main" val="3241713235"/>
+        <p14:creationId xmlns:p14="http://schemas.microsoft.com/office/powerpoint/2010/main" val="3448089979"/>
       </p:ext>
     </p:extLst>
   </p:cSld>
@@ -6041,21 +7093,28 @@
       </p:grpSpPr>
       <p:pic>
         <p:nvPicPr>
-          <p:cNvPr id="5" name="図 4"/>
+          <p:cNvPr id="2" name="図 1"/>
           <p:cNvPicPr>
             <a:picLocks noChangeAspect="1"/>
           </p:cNvPicPr>
           <p:nvPr/>
         </p:nvPicPr>
-        <p:blipFill rotWithShape="1">
-          <a:blip r:embed="rId2"/>
-          <a:srcRect l="25880" t="24460" r="25883" b="24735"/>
-          <a:stretch/>
+        <p:blipFill>
+          <a:blip r:embed="rId2">
+            <a:extLst>
+              <a:ext uri="{28A0092B-C50C-407E-A947-70E740481C1C}">
+                <a14:useLocalDpi xmlns:a14="http://schemas.microsoft.com/office/drawing/2010/main" val="0"/>
+              </a:ext>
+            </a:extLst>
+          </a:blip>
+          <a:stretch>
+            <a:fillRect/>
+          </a:stretch>
         </p:blipFill>
         <p:spPr>
           <a:xfrm>
-            <a:off x="663388" y="1296068"/>
-            <a:ext cx="9843419" cy="5561932"/>
+            <a:off x="0" y="186778"/>
+            <a:ext cx="8739399" cy="4824838"/>
           </a:xfrm>
           <a:prstGeom prst="rect">
             <a:avLst/>
@@ -6064,14 +7123,14 @@
       </p:pic>
       <p:sp>
         <p:nvSpPr>
-          <p:cNvPr id="4" name="テキスト ボックス 3"/>
+          <p:cNvPr id="5" name="テキスト ボックス 4"/>
           <p:cNvSpPr txBox="1"/>
           <p:nvPr/>
         </p:nvSpPr>
         <p:spPr>
           <a:xfrm>
-            <a:off x="9324501" y="1224353"/>
-            <a:ext cx="2804745" cy="707886"/>
+            <a:off x="8493369" y="1224353"/>
+            <a:ext cx="3635877" cy="707886"/>
           </a:xfrm>
           <a:prstGeom prst="rect">
             <a:avLst/>
@@ -6090,39 +7149,172 @@
                 <a:latin typeface="メイリオ" panose="020B0604030504040204" pitchFamily="50" charset="-128"/>
                 <a:ea typeface="メイリオ" panose="020B0604030504040204" pitchFamily="50" charset="-128"/>
               </a:rPr>
-              <a:t>出庫</a:t>
+              <a:t>ホーム</a:t>
             </a:r>
             <a:r>
               <a:rPr kumimoji="1" lang="ja-JP" altLang="en-US" sz="4000" dirty="0" smtClean="0">
                 <a:latin typeface="メイリオ" panose="020B0604030504040204" pitchFamily="50" charset="-128"/>
                 <a:ea typeface="メイリオ" panose="020B0604030504040204" pitchFamily="50" charset="-128"/>
               </a:rPr>
-              <a:t>管理</a:t>
-            </a:r>
-            <a:endParaRPr kumimoji="1" lang="ja-JP" altLang="en-US" sz="4000" dirty="0">
+              <a:t>画面</a:t>
+            </a:r>
+            <a:endParaRPr kumimoji="1" lang="en-US" altLang="ja-JP" sz="4000" dirty="0" smtClean="0">
               <a:latin typeface="メイリオ" panose="020B0604030504040204" pitchFamily="50" charset="-128"/>
               <a:ea typeface="メイリオ" panose="020B0604030504040204" pitchFamily="50" charset="-128"/>
             </a:endParaRPr>
           </a:p>
         </p:txBody>
       </p:sp>
+      <p:sp>
+        <p:nvSpPr>
+          <p:cNvPr id="3" name="テキスト ボックス 2"/>
+          <p:cNvSpPr txBox="1"/>
+          <p:nvPr/>
+        </p:nvSpPr>
+        <p:spPr>
+          <a:xfrm>
+            <a:off x="228601" y="5385313"/>
+            <a:ext cx="9152377" cy="400110"/>
+          </a:xfrm>
+          <a:prstGeom prst="rect">
+            <a:avLst/>
+          </a:prstGeom>
+          <a:noFill/>
+        </p:spPr>
+        <p:txBody>
+          <a:bodyPr wrap="none" rtlCol="0">
+            <a:spAutoFit/>
+          </a:bodyPr>
+          <a:lstStyle/>
+          <a:p>
+            <a:r>
+              <a:rPr kumimoji="1" lang="ja-JP" altLang="en-US" sz="2000" b="1" dirty="0" smtClean="0">
+                <a:solidFill>
+                  <a:srgbClr val="FF0000"/>
+                </a:solidFill>
+                <a:latin typeface="メイリオ" panose="020B0604030504040204" pitchFamily="50" charset="-128"/>
+                <a:ea typeface="メイリオ" panose="020B0604030504040204" pitchFamily="50" charset="-128"/>
+              </a:rPr>
+              <a:t>社員</a:t>
+            </a:r>
+            <a:r>
+              <a:rPr kumimoji="1" lang="en-US" altLang="ja-JP" sz="2000" b="1" dirty="0" smtClean="0">
+                <a:solidFill>
+                  <a:srgbClr val="FF0000"/>
+                </a:solidFill>
+                <a:latin typeface="メイリオ" panose="020B0604030504040204" pitchFamily="50" charset="-128"/>
+                <a:ea typeface="メイリオ" panose="020B0604030504040204" pitchFamily="50" charset="-128"/>
+              </a:rPr>
+              <a:t>ID</a:t>
+            </a:r>
+            <a:r>
+              <a:rPr kumimoji="1" lang="en-US" altLang="ja-JP" sz="2000" b="1" dirty="0" smtClean="0">
+                <a:latin typeface="メイリオ" panose="020B0604030504040204" pitchFamily="50" charset="-128"/>
+                <a:ea typeface="メイリオ" panose="020B0604030504040204" pitchFamily="50" charset="-128"/>
+              </a:rPr>
+              <a:t>,</a:t>
+            </a:r>
+            <a:r>
+              <a:rPr kumimoji="1" lang="ja-JP" altLang="en-US" sz="2000" b="1" dirty="0" smtClean="0">
+                <a:solidFill>
+                  <a:srgbClr val="FF0000"/>
+                </a:solidFill>
+                <a:latin typeface="メイリオ" panose="020B0604030504040204" pitchFamily="50" charset="-128"/>
+                <a:ea typeface="メイリオ" panose="020B0604030504040204" pitchFamily="50" charset="-128"/>
+              </a:rPr>
+              <a:t>社員名</a:t>
+            </a:r>
+            <a:r>
+              <a:rPr kumimoji="1" lang="ja-JP" altLang="en-US" sz="2000" b="1" dirty="0" smtClean="0">
+                <a:latin typeface="メイリオ" panose="020B0604030504040204" pitchFamily="50" charset="-128"/>
+                <a:ea typeface="メイリオ" panose="020B0604030504040204" pitchFamily="50" charset="-128"/>
+              </a:rPr>
+              <a:t>の部分に現在ログイン中の社員の社員</a:t>
+            </a:r>
+            <a:r>
+              <a:rPr kumimoji="1" lang="en-US" altLang="ja-JP" sz="2000" b="1" dirty="0" smtClean="0">
+                <a:latin typeface="メイリオ" panose="020B0604030504040204" pitchFamily="50" charset="-128"/>
+                <a:ea typeface="メイリオ" panose="020B0604030504040204" pitchFamily="50" charset="-128"/>
+              </a:rPr>
+              <a:t>ID,</a:t>
+            </a:r>
+            <a:r>
+              <a:rPr kumimoji="1" lang="ja-JP" altLang="en-US" sz="2000" b="1" dirty="0" smtClean="0">
+                <a:latin typeface="メイリオ" panose="020B0604030504040204" pitchFamily="50" charset="-128"/>
+                <a:ea typeface="メイリオ" panose="020B0604030504040204" pitchFamily="50" charset="-128"/>
+              </a:rPr>
+              <a:t>社員名が表示される。</a:t>
+            </a:r>
+            <a:endParaRPr kumimoji="1" lang="en-US" altLang="ja-JP" sz="2000" b="1" dirty="0" smtClean="0">
+              <a:latin typeface="メイリオ" panose="020B0604030504040204" pitchFamily="50" charset="-128"/>
+              <a:ea typeface="メイリオ" panose="020B0604030504040204" pitchFamily="50" charset="-128"/>
+            </a:endParaRPr>
+          </a:p>
+        </p:txBody>
+      </p:sp>
+      <p:sp>
+        <p:nvSpPr>
+          <p:cNvPr id="6" name="テキスト ボックス 5"/>
+          <p:cNvSpPr txBox="1"/>
+          <p:nvPr/>
+        </p:nvSpPr>
+        <p:spPr>
+          <a:xfrm>
+            <a:off x="228601" y="6049191"/>
+            <a:ext cx="12537831" cy="400110"/>
+          </a:xfrm>
+          <a:prstGeom prst="rect">
+            <a:avLst/>
+          </a:prstGeom>
+          <a:noFill/>
+        </p:spPr>
+        <p:txBody>
+          <a:bodyPr wrap="square" rtlCol="0">
+            <a:spAutoFit/>
+          </a:bodyPr>
+          <a:lstStyle/>
+          <a:p>
+            <a:r>
+              <a:rPr kumimoji="1" lang="ja-JP" altLang="en-US" sz="2000" b="1" dirty="0" smtClean="0">
+                <a:latin typeface="メイリオ" panose="020B0604030504040204" pitchFamily="50" charset="-128"/>
+                <a:ea typeface="メイリオ" panose="020B0604030504040204" pitchFamily="50" charset="-128"/>
+              </a:rPr>
+              <a:t>各管理画面は、社員情報にある権限レベルによって</a:t>
+            </a:r>
+            <a:r>
+              <a:rPr kumimoji="1" lang="ja-JP" altLang="en-US" sz="2000" b="1" dirty="0" smtClean="0">
+                <a:solidFill>
+                  <a:srgbClr val="FFC000"/>
+                </a:solidFill>
+                <a:latin typeface="メイリオ" panose="020B0604030504040204" pitchFamily="50" charset="-128"/>
+                <a:ea typeface="メイリオ" panose="020B0604030504040204" pitchFamily="50" charset="-128"/>
+              </a:rPr>
+              <a:t>アクセス権なし、アクセス権あり</a:t>
+            </a:r>
+            <a:r>
+              <a:rPr kumimoji="1" lang="ja-JP" altLang="en-US" sz="2000" b="1" dirty="0" smtClean="0">
+                <a:latin typeface="メイリオ" panose="020B0604030504040204" pitchFamily="50" charset="-128"/>
+                <a:ea typeface="メイリオ" panose="020B0604030504040204" pitchFamily="50" charset="-128"/>
+              </a:rPr>
+              <a:t>とわけられる。</a:t>
+            </a:r>
+            <a:endParaRPr kumimoji="1" lang="en-US" altLang="ja-JP" sz="2000" b="1" dirty="0" smtClean="0">
+              <a:latin typeface="メイリオ" panose="020B0604030504040204" pitchFamily="50" charset="-128"/>
+              <a:ea typeface="メイリオ" panose="020B0604030504040204" pitchFamily="50" charset="-128"/>
+            </a:endParaRPr>
+          </a:p>
+        </p:txBody>
+      </p:sp>
     </p:spTree>
     <p:extLst>
       <p:ext uri="{BB962C8B-B14F-4D97-AF65-F5344CB8AC3E}">
-        <p14:creationId xmlns:p14="http://schemas.microsoft.com/office/powerpoint/2010/main" val="2275050623"/>
+        <p14:creationId xmlns:p14="http://schemas.microsoft.com/office/powerpoint/2010/main" val="1340297137"/>
       </p:ext>
     </p:extLst>
   </p:cSld>
   <p:clrMapOvr>
     <a:masterClrMapping/>
   </p:clrMapOvr>
-  <p:timing>
-    <p:tnLst>
-      <p:par>
-        <p:cTn id="1" dur="indefinite" restart="never" nodeType="tmRoot"/>
-      </p:par>
-    </p:tnLst>
-  </p:timing>
 </p:sld>
 </file>
 
